--- a/oce_seminar_jake.pptx
+++ b/oce_seminar_jake.pptx
@@ -8,9 +8,15 @@
     <p:sldId id="256" r:id="rId2"/>
     <p:sldId id="260" r:id="rId3"/>
     <p:sldId id="261" r:id="rId4"/>
-    <p:sldId id="259" r:id="rId5"/>
-    <p:sldId id="262" r:id="rId6"/>
-    <p:sldId id="263" r:id="rId7"/>
+    <p:sldId id="269" r:id="rId5"/>
+    <p:sldId id="268" r:id="rId6"/>
+    <p:sldId id="264" r:id="rId7"/>
+    <p:sldId id="267" r:id="rId8"/>
+    <p:sldId id="259" r:id="rId9"/>
+    <p:sldId id="266" r:id="rId10"/>
+    <p:sldId id="270" r:id="rId11"/>
+    <p:sldId id="262" r:id="rId12"/>
+    <p:sldId id="263" r:id="rId13"/>
   </p:sldIdLst>
   <p:sldSz cx="12192000" cy="6858000"/>
   <p:notesSz cx="6858000" cy="9144000"/>
@@ -109,6 +115,35 @@
       </a:defRPr>
     </a:lvl9pPr>
   </p:defaultTextStyle>
+  <p:extLst>
+    <p:ext uri="{521415D9-36F7-43E2-AB2F-B90AF26B5E84}">
+      <p14:sectionLst xmlns:p14="http://schemas.microsoft.com/office/powerpoint/2010/main">
+        <p14:section name="Default Section" id="{CEC61828-BB14-4CF4-BC89-3466C2E7A69C}">
+          <p14:sldIdLst>
+            <p14:sldId id="256"/>
+            <p14:sldId id="260"/>
+            <p14:sldId id="261"/>
+            <p14:sldId id="269"/>
+            <p14:sldId id="268"/>
+          </p14:sldIdLst>
+        </p14:section>
+        <p14:section name="Approach" id="{D2593995-80DB-4880-A2B8-21547A4A2780}">
+          <p14:sldIdLst>
+            <p14:sldId id="264"/>
+            <p14:sldId id="267"/>
+            <p14:sldId id="259"/>
+            <p14:sldId id="266"/>
+            <p14:sldId id="270"/>
+            <p14:sldId id="262"/>
+            <p14:sldId id="263"/>
+          </p14:sldIdLst>
+        </p14:section>
+      </p14:sectionLst>
+    </p:ext>
+    <p:ext uri="{EFAFB233-063F-42B5-8137-9DF3F51BA10A}">
+      <p15:sldGuideLst xmlns:p15="http://schemas.microsoft.com/office/powerpoint/2012/main"/>
+    </p:ext>
+  </p:extLst>
 </p:presentation>
 </file>
 
@@ -3422,6 +3457,255 @@
 </p:sld>
 </file>
 
+<file path=ppt/slides/slide10.xml><?xml version="1.0" encoding="utf-8"?>
+<p:sld xmlns:a="http://schemas.openxmlformats.org/drawingml/2006/main" xmlns:r="http://schemas.openxmlformats.org/officeDocument/2006/relationships" xmlns:p="http://schemas.openxmlformats.org/presentationml/2006/main">
+  <p:cSld>
+    <p:spTree>
+      <p:nvGrpSpPr>
+        <p:cNvPr id="1" name=""/>
+        <p:cNvGrpSpPr/>
+        <p:nvPr/>
+      </p:nvGrpSpPr>
+      <p:grpSpPr>
+        <a:xfrm>
+          <a:off x="0" y="0"/>
+          <a:ext cx="0" cy="0"/>
+          <a:chOff x="0" y="0"/>
+          <a:chExt cx="0" cy="0"/>
+        </a:xfrm>
+      </p:grpSpPr>
+      <p:sp>
+        <p:nvSpPr>
+          <p:cNvPr id="2" name="Title 1">
+            <a:extLst>
+              <a:ext uri="{FF2B5EF4-FFF2-40B4-BE49-F238E27FC236}">
+                <a16:creationId xmlns:a16="http://schemas.microsoft.com/office/drawing/2014/main" id="{0CB47936-2235-CC62-6335-1F98AEE1E8D9}"/>
+              </a:ext>
+            </a:extLst>
+          </p:cNvPr>
+          <p:cNvSpPr>
+            <a:spLocks noGrp="1"/>
+          </p:cNvSpPr>
+          <p:nvPr>
+            <p:ph type="title"/>
+          </p:nvPr>
+        </p:nvSpPr>
+        <p:spPr/>
+        <p:txBody>
+          <a:bodyPr/>
+          <a:lstStyle/>
+          <a:p>
+            <a:r>
+              <a:rPr lang="en-US" dirty="0"/>
+              <a:t>Resampling and Culling</a:t>
+            </a:r>
+          </a:p>
+        </p:txBody>
+      </p:sp>
+      <p:sp>
+        <p:nvSpPr>
+          <p:cNvPr id="3" name="Content Placeholder 2">
+            <a:extLst>
+              <a:ext uri="{FF2B5EF4-FFF2-40B4-BE49-F238E27FC236}">
+                <a16:creationId xmlns:a16="http://schemas.microsoft.com/office/drawing/2014/main" id="{29763E6F-D76C-DEE7-DA01-7F29CBE816F0}"/>
+              </a:ext>
+            </a:extLst>
+          </p:cNvPr>
+          <p:cNvSpPr>
+            <a:spLocks noGrp="1"/>
+          </p:cNvSpPr>
+          <p:nvPr>
+            <p:ph idx="1"/>
+          </p:nvPr>
+        </p:nvSpPr>
+        <p:spPr/>
+        <p:txBody>
+          <a:bodyPr/>
+          <a:lstStyle/>
+          <a:p>
+            <a:endParaRPr lang="en-US"/>
+          </a:p>
+        </p:txBody>
+      </p:sp>
+    </p:spTree>
+    <p:extLst>
+      <p:ext uri="{BB962C8B-B14F-4D97-AF65-F5344CB8AC3E}">
+        <p14:creationId xmlns:p14="http://schemas.microsoft.com/office/powerpoint/2010/main" val="2124075281"/>
+      </p:ext>
+    </p:extLst>
+  </p:cSld>
+  <p:clrMapOvr>
+    <a:masterClrMapping/>
+  </p:clrMapOvr>
+</p:sld>
+</file>
+
+<file path=ppt/slides/slide11.xml><?xml version="1.0" encoding="utf-8"?>
+<p:sld xmlns:a="http://schemas.openxmlformats.org/drawingml/2006/main" xmlns:r="http://schemas.openxmlformats.org/officeDocument/2006/relationships" xmlns:p="http://schemas.openxmlformats.org/presentationml/2006/main">
+  <p:cSld>
+    <p:spTree>
+      <p:nvGrpSpPr>
+        <p:cNvPr id="1" name=""/>
+        <p:cNvGrpSpPr/>
+        <p:nvPr/>
+      </p:nvGrpSpPr>
+      <p:grpSpPr>
+        <a:xfrm>
+          <a:off x="0" y="0"/>
+          <a:ext cx="0" cy="0"/>
+          <a:chOff x="0" y="0"/>
+          <a:chExt cx="0" cy="0"/>
+        </a:xfrm>
+      </p:grpSpPr>
+      <p:sp>
+        <p:nvSpPr>
+          <p:cNvPr id="2" name="Title 1">
+            <a:extLst>
+              <a:ext uri="{FF2B5EF4-FFF2-40B4-BE49-F238E27FC236}">
+                <a16:creationId xmlns:a16="http://schemas.microsoft.com/office/drawing/2014/main" id="{A52C104F-6A06-35FB-B1A4-AA54FBAA5C47}"/>
+              </a:ext>
+            </a:extLst>
+          </p:cNvPr>
+          <p:cNvSpPr>
+            <a:spLocks noGrp="1"/>
+          </p:cNvSpPr>
+          <p:nvPr>
+            <p:ph type="title"/>
+          </p:nvPr>
+        </p:nvSpPr>
+        <p:spPr/>
+        <p:txBody>
+          <a:bodyPr/>
+          <a:lstStyle/>
+          <a:p>
+            <a:r>
+              <a:rPr lang="en-US" dirty="0"/>
+              <a:t>Results</a:t>
+            </a:r>
+          </a:p>
+        </p:txBody>
+      </p:sp>
+      <p:sp>
+        <p:nvSpPr>
+          <p:cNvPr id="3" name="Content Placeholder 2">
+            <a:extLst>
+              <a:ext uri="{FF2B5EF4-FFF2-40B4-BE49-F238E27FC236}">
+                <a16:creationId xmlns:a16="http://schemas.microsoft.com/office/drawing/2014/main" id="{511CBBC2-2EE6-FEBE-AE86-F0B98AC54238}"/>
+              </a:ext>
+            </a:extLst>
+          </p:cNvPr>
+          <p:cNvSpPr>
+            <a:spLocks noGrp="1"/>
+          </p:cNvSpPr>
+          <p:nvPr>
+            <p:ph idx="1"/>
+          </p:nvPr>
+        </p:nvSpPr>
+        <p:spPr/>
+        <p:txBody>
+          <a:bodyPr/>
+          <a:lstStyle/>
+          <a:p>
+            <a:endParaRPr lang="en-US"/>
+          </a:p>
+        </p:txBody>
+      </p:sp>
+    </p:spTree>
+    <p:extLst>
+      <p:ext uri="{BB962C8B-B14F-4D97-AF65-F5344CB8AC3E}">
+        <p14:creationId xmlns:p14="http://schemas.microsoft.com/office/powerpoint/2010/main" val="1762123439"/>
+      </p:ext>
+    </p:extLst>
+  </p:cSld>
+  <p:clrMapOvr>
+    <a:masterClrMapping/>
+  </p:clrMapOvr>
+</p:sld>
+</file>
+
+<file path=ppt/slides/slide12.xml><?xml version="1.0" encoding="utf-8"?>
+<p:sld xmlns:a="http://schemas.openxmlformats.org/drawingml/2006/main" xmlns:r="http://schemas.openxmlformats.org/officeDocument/2006/relationships" xmlns:p="http://schemas.openxmlformats.org/presentationml/2006/main">
+  <p:cSld>
+    <p:spTree>
+      <p:nvGrpSpPr>
+        <p:cNvPr id="1" name=""/>
+        <p:cNvGrpSpPr/>
+        <p:nvPr/>
+      </p:nvGrpSpPr>
+      <p:grpSpPr>
+        <a:xfrm>
+          <a:off x="0" y="0"/>
+          <a:ext cx="0" cy="0"/>
+          <a:chOff x="0" y="0"/>
+          <a:chExt cx="0" cy="0"/>
+        </a:xfrm>
+      </p:grpSpPr>
+      <p:sp>
+        <p:nvSpPr>
+          <p:cNvPr id="2" name="Title 1">
+            <a:extLst>
+              <a:ext uri="{FF2B5EF4-FFF2-40B4-BE49-F238E27FC236}">
+                <a16:creationId xmlns:a16="http://schemas.microsoft.com/office/drawing/2014/main" id="{0C50562C-AA42-7473-175F-468467D3E201}"/>
+              </a:ext>
+            </a:extLst>
+          </p:cNvPr>
+          <p:cNvSpPr>
+            <a:spLocks noGrp="1"/>
+          </p:cNvSpPr>
+          <p:nvPr>
+            <p:ph type="title"/>
+          </p:nvPr>
+        </p:nvSpPr>
+        <p:spPr/>
+        <p:txBody>
+          <a:bodyPr/>
+          <a:lstStyle/>
+          <a:p>
+            <a:r>
+              <a:rPr lang="en-US" dirty="0"/>
+              <a:t>Future Considerations</a:t>
+            </a:r>
+          </a:p>
+        </p:txBody>
+      </p:sp>
+      <p:sp>
+        <p:nvSpPr>
+          <p:cNvPr id="3" name="Content Placeholder 2">
+            <a:extLst>
+              <a:ext uri="{FF2B5EF4-FFF2-40B4-BE49-F238E27FC236}">
+                <a16:creationId xmlns:a16="http://schemas.microsoft.com/office/drawing/2014/main" id="{32C4067F-1AF3-3E27-F62C-892D75717E50}"/>
+              </a:ext>
+            </a:extLst>
+          </p:cNvPr>
+          <p:cNvSpPr>
+            <a:spLocks noGrp="1"/>
+          </p:cNvSpPr>
+          <p:nvPr>
+            <p:ph idx="1"/>
+          </p:nvPr>
+        </p:nvSpPr>
+        <p:spPr/>
+        <p:txBody>
+          <a:bodyPr/>
+          <a:lstStyle/>
+          <a:p>
+            <a:endParaRPr lang="en-US"/>
+          </a:p>
+        </p:txBody>
+      </p:sp>
+    </p:spTree>
+    <p:extLst>
+      <p:ext uri="{BB962C8B-B14F-4D97-AF65-F5344CB8AC3E}">
+        <p14:creationId xmlns:p14="http://schemas.microsoft.com/office/powerpoint/2010/main" val="3420563102"/>
+      </p:ext>
+    </p:extLst>
+  </p:cSld>
+  <p:clrMapOvr>
+    <a:masterClrMapping/>
+  </p:clrMapOvr>
+</p:sld>
+</file>
+
 <file path=ppt/slides/slide2.xml><?xml version="1.0" encoding="utf-8"?>
 <p:sld xmlns:a="http://schemas.openxmlformats.org/drawingml/2006/main" xmlns:r="http://schemas.openxmlformats.org/officeDocument/2006/relationships" xmlns:p="http://schemas.openxmlformats.org/presentationml/2006/main">
   <p:cSld>
@@ -3610,7 +3894,7 @@
           <p:cNvPr id="2" name="Title 1">
             <a:extLst>
               <a:ext uri="{FF2B5EF4-FFF2-40B4-BE49-F238E27FC236}">
-                <a16:creationId xmlns:a16="http://schemas.microsoft.com/office/drawing/2014/main" id="{5541A73E-31CE-DC8B-A83B-4D10818983C7}"/>
+                <a16:creationId xmlns:a16="http://schemas.microsoft.com/office/drawing/2014/main" id="{8033C726-ABA7-C530-93C8-0557C35523C5}"/>
               </a:ext>
             </a:extLst>
           </p:cNvPr>
@@ -3626,42 +3910,48 @@
           <a:bodyPr/>
           <a:lstStyle/>
           <a:p>
+            <a:pPr algn="ctr"/>
             <a:r>
               <a:rPr lang="en-US" dirty="0"/>
-              <a:t>Approach</a:t>
-            </a:r>
-          </a:p>
-        </p:txBody>
-      </p:sp>
-      <p:sp>
-        <p:nvSpPr>
-          <p:cNvPr id="3" name="Content Placeholder 2">
-            <a:extLst>
-              <a:ext uri="{FF2B5EF4-FFF2-40B4-BE49-F238E27FC236}">
-                <a16:creationId xmlns:a16="http://schemas.microsoft.com/office/drawing/2014/main" id="{91FA2ABE-3729-DF37-C718-CF3BE50FBF00}"/>
-              </a:ext>
-            </a:extLst>
-          </p:cNvPr>
-          <p:cNvSpPr>
-            <a:spLocks noGrp="1"/>
-          </p:cNvSpPr>
-          <p:nvPr>
-            <p:ph idx="1"/>
-          </p:nvPr>
-        </p:nvSpPr>
-        <p:spPr/>
-        <p:txBody>
-          <a:bodyPr/>
-          <a:lstStyle/>
-          <a:p>
-            <a:endParaRPr lang="en-US"/>
-          </a:p>
-        </p:txBody>
-      </p:sp>
+              <a:t>Current Solution</a:t>
+            </a:r>
+          </a:p>
+        </p:txBody>
+      </p:sp>
+      <p:pic>
+        <p:nvPicPr>
+          <p:cNvPr id="5" name="Picture 4">
+            <a:extLst>
+              <a:ext uri="{FF2B5EF4-FFF2-40B4-BE49-F238E27FC236}">
+                <a16:creationId xmlns:a16="http://schemas.microsoft.com/office/drawing/2014/main" id="{F97AED77-937D-2322-BC54-F8036D58338C}"/>
+              </a:ext>
+            </a:extLst>
+          </p:cNvPr>
+          <p:cNvPicPr>
+            <a:picLocks noChangeAspect="1"/>
+          </p:cNvPicPr>
+          <p:nvPr/>
+        </p:nvPicPr>
+        <p:blipFill>
+          <a:blip r:embed="rId2"/>
+          <a:stretch>
+            <a:fillRect/>
+          </a:stretch>
+        </p:blipFill>
+        <p:spPr>
+          <a:xfrm>
+            <a:off x="2638401" y="1395663"/>
+            <a:ext cx="6915197" cy="4896853"/>
+          </a:xfrm>
+          <a:prstGeom prst="rect">
+            <a:avLst/>
+          </a:prstGeom>
+        </p:spPr>
+      </p:pic>
     </p:spTree>
     <p:extLst>
       <p:ext uri="{BB962C8B-B14F-4D97-AF65-F5344CB8AC3E}">
-        <p14:creationId xmlns:p14="http://schemas.microsoft.com/office/powerpoint/2010/main" val="2566109050"/>
+        <p14:creationId xmlns:p14="http://schemas.microsoft.com/office/powerpoint/2010/main" val="765704835"/>
       </p:ext>
     </p:extLst>
   </p:cSld>
@@ -3688,12 +3978,42 @@
           <a:chExt cx="0" cy="0"/>
         </a:xfrm>
       </p:grpSpPr>
-      <p:sp>
-        <p:nvSpPr>
-          <p:cNvPr id="2" name="Title 1">
-            <a:extLst>
-              <a:ext uri="{FF2B5EF4-FFF2-40B4-BE49-F238E27FC236}">
-                <a16:creationId xmlns:a16="http://schemas.microsoft.com/office/drawing/2014/main" id="{A52C104F-6A06-35FB-B1A4-AA54FBAA5C47}"/>
+      <p:pic>
+        <p:nvPicPr>
+          <p:cNvPr id="5" name="Picture 4">
+            <a:extLst>
+              <a:ext uri="{FF2B5EF4-FFF2-40B4-BE49-F238E27FC236}">
+                <a16:creationId xmlns:a16="http://schemas.microsoft.com/office/drawing/2014/main" id="{067EE8C0-D878-8F2A-6BF2-FD7203D78A86}"/>
+              </a:ext>
+            </a:extLst>
+          </p:cNvPr>
+          <p:cNvPicPr>
+            <a:picLocks noChangeAspect="1"/>
+          </p:cNvPicPr>
+          <p:nvPr/>
+        </p:nvPicPr>
+        <p:blipFill>
+          <a:blip r:embed="rId2"/>
+          <a:stretch>
+            <a:fillRect/>
+          </a:stretch>
+        </p:blipFill>
+        <p:spPr>
+          <a:xfrm>
+            <a:off x="285246" y="1451691"/>
+            <a:ext cx="11621507" cy="4892464"/>
+          </a:xfrm>
+          <a:prstGeom prst="rect">
+            <a:avLst/>
+          </a:prstGeom>
+        </p:spPr>
+      </p:pic>
+      <p:sp>
+        <p:nvSpPr>
+          <p:cNvPr id="6" name="Title 1">
+            <a:extLst>
+              <a:ext uri="{FF2B5EF4-FFF2-40B4-BE49-F238E27FC236}">
+                <a16:creationId xmlns:a16="http://schemas.microsoft.com/office/drawing/2014/main" id="{057E57E0-722C-E6FB-E3B9-8E5616411C45}"/>
               </a:ext>
             </a:extLst>
           </p:cNvPr>
@@ -3704,47 +4024,28 @@
             <p:ph type="title"/>
           </p:nvPr>
         </p:nvSpPr>
-        <p:spPr/>
-        <p:txBody>
-          <a:bodyPr/>
-          <a:lstStyle/>
-          <a:p>
+        <p:spPr>
+          <a:xfrm>
+            <a:off x="838200" y="365125"/>
+            <a:ext cx="10515600" cy="1325563"/>
+          </a:xfrm>
+        </p:spPr>
+        <p:txBody>
+          <a:bodyPr/>
+          <a:lstStyle/>
+          <a:p>
+            <a:pPr algn="ctr"/>
             <a:r>
               <a:rPr lang="en-US" dirty="0"/>
-              <a:t>Results</a:t>
-            </a:r>
-          </a:p>
-        </p:txBody>
-      </p:sp>
-      <p:sp>
-        <p:nvSpPr>
-          <p:cNvPr id="3" name="Content Placeholder 2">
-            <a:extLst>
-              <a:ext uri="{FF2B5EF4-FFF2-40B4-BE49-F238E27FC236}">
-                <a16:creationId xmlns:a16="http://schemas.microsoft.com/office/drawing/2014/main" id="{511CBBC2-2EE6-FEBE-AE86-F0B98AC54238}"/>
-              </a:ext>
-            </a:extLst>
-          </p:cNvPr>
-          <p:cNvSpPr>
-            <a:spLocks noGrp="1"/>
-          </p:cNvSpPr>
-          <p:nvPr>
-            <p:ph idx="1"/>
-          </p:nvPr>
-        </p:nvSpPr>
-        <p:spPr/>
-        <p:txBody>
-          <a:bodyPr/>
-          <a:lstStyle/>
-          <a:p>
-            <a:endParaRPr lang="en-US"/>
+              <a:t>DAP Dynamics</a:t>
+            </a:r>
           </a:p>
         </p:txBody>
       </p:sp>
     </p:spTree>
     <p:extLst>
       <p:ext uri="{BB962C8B-B14F-4D97-AF65-F5344CB8AC3E}">
-        <p14:creationId xmlns:p14="http://schemas.microsoft.com/office/powerpoint/2010/main" val="1762123439"/>
+        <p14:creationId xmlns:p14="http://schemas.microsoft.com/office/powerpoint/2010/main" val="646050925"/>
       </p:ext>
     </p:extLst>
   </p:cSld>
@@ -3776,7 +4077,7 @@
           <p:cNvPr id="2" name="Title 1">
             <a:extLst>
               <a:ext uri="{FF2B5EF4-FFF2-40B4-BE49-F238E27FC236}">
-                <a16:creationId xmlns:a16="http://schemas.microsoft.com/office/drawing/2014/main" id="{0C50562C-AA42-7473-175F-468467D3E201}"/>
+                <a16:creationId xmlns:a16="http://schemas.microsoft.com/office/drawing/2014/main" id="{171784AE-7EA5-31D4-8EB1-AE82C7354265}"/>
               </a:ext>
             </a:extLst>
           </p:cNvPr>
@@ -3792,42 +4093,2001 @@
           <a:bodyPr/>
           <a:lstStyle/>
           <a:p>
+            <a:pPr algn="ctr"/>
             <a:r>
               <a:rPr lang="en-US" dirty="0"/>
-              <a:t>Future Considerations</a:t>
-            </a:r>
-          </a:p>
-        </p:txBody>
-      </p:sp>
-      <p:sp>
-        <p:nvSpPr>
-          <p:cNvPr id="3" name="Content Placeholder 2">
-            <a:extLst>
-              <a:ext uri="{FF2B5EF4-FFF2-40B4-BE49-F238E27FC236}">
-                <a16:creationId xmlns:a16="http://schemas.microsoft.com/office/drawing/2014/main" id="{32C4067F-1AF3-3E27-F62C-892D75717E50}"/>
-              </a:ext>
-            </a:extLst>
-          </p:cNvPr>
-          <p:cNvSpPr>
-            <a:spLocks noGrp="1"/>
-          </p:cNvSpPr>
-          <p:nvPr>
-            <p:ph idx="1"/>
-          </p:nvPr>
-        </p:nvSpPr>
-        <p:spPr/>
-        <p:txBody>
-          <a:bodyPr/>
-          <a:lstStyle/>
-          <a:p>
-            <a:endParaRPr lang="en-US"/>
+              <a:t>Particle Filter Approach</a:t>
+            </a:r>
+          </a:p>
+        </p:txBody>
+      </p:sp>
+      <p:grpSp>
+        <p:nvGrpSpPr>
+          <p:cNvPr id="5" name="Group 4">
+            <a:extLst>
+              <a:ext uri="{FF2B5EF4-FFF2-40B4-BE49-F238E27FC236}">
+                <a16:creationId xmlns:a16="http://schemas.microsoft.com/office/drawing/2014/main" id="{A0D8CED8-4D23-3983-A73D-44B2E9EC6E65}"/>
+              </a:ext>
+            </a:extLst>
+          </p:cNvPr>
+          <p:cNvGrpSpPr/>
+          <p:nvPr/>
+        </p:nvGrpSpPr>
+        <p:grpSpPr>
+          <a:xfrm>
+            <a:off x="835711" y="2216728"/>
+            <a:ext cx="10506357" cy="1387424"/>
+            <a:chOff x="842821" y="3395157"/>
+            <a:chExt cx="10506357" cy="1212272"/>
+          </a:xfrm>
+        </p:grpSpPr>
+        <p:sp>
+          <p:nvSpPr>
+            <p:cNvPr id="6" name="Freeform: Shape 5">
+              <a:extLst>
+                <a:ext uri="{FF2B5EF4-FFF2-40B4-BE49-F238E27FC236}">
+                  <a16:creationId xmlns:a16="http://schemas.microsoft.com/office/drawing/2014/main" id="{A8FBE7D4-540B-7282-D458-66E195E7D6DF}"/>
+                </a:ext>
+              </a:extLst>
+            </p:cNvPr>
+            <p:cNvSpPr/>
+            <p:nvPr/>
+          </p:nvSpPr>
+          <p:spPr>
+            <a:xfrm>
+              <a:off x="842821" y="3395157"/>
+              <a:ext cx="2020453" cy="1212272"/>
+            </a:xfrm>
+            <a:custGeom>
+              <a:avLst/>
+              <a:gdLst>
+                <a:gd name="connsiteX0" fmla="*/ 0 w 2020453"/>
+                <a:gd name="connsiteY0" fmla="*/ 121227 h 1212272"/>
+                <a:gd name="connsiteX1" fmla="*/ 121227 w 2020453"/>
+                <a:gd name="connsiteY1" fmla="*/ 0 h 1212272"/>
+                <a:gd name="connsiteX2" fmla="*/ 1899226 w 2020453"/>
+                <a:gd name="connsiteY2" fmla="*/ 0 h 1212272"/>
+                <a:gd name="connsiteX3" fmla="*/ 2020453 w 2020453"/>
+                <a:gd name="connsiteY3" fmla="*/ 121227 h 1212272"/>
+                <a:gd name="connsiteX4" fmla="*/ 2020453 w 2020453"/>
+                <a:gd name="connsiteY4" fmla="*/ 1091045 h 1212272"/>
+                <a:gd name="connsiteX5" fmla="*/ 1899226 w 2020453"/>
+                <a:gd name="connsiteY5" fmla="*/ 1212272 h 1212272"/>
+                <a:gd name="connsiteX6" fmla="*/ 121227 w 2020453"/>
+                <a:gd name="connsiteY6" fmla="*/ 1212272 h 1212272"/>
+                <a:gd name="connsiteX7" fmla="*/ 0 w 2020453"/>
+                <a:gd name="connsiteY7" fmla="*/ 1091045 h 1212272"/>
+                <a:gd name="connsiteX8" fmla="*/ 0 w 2020453"/>
+                <a:gd name="connsiteY8" fmla="*/ 121227 h 1212272"/>
+              </a:gdLst>
+              <a:ahLst/>
+              <a:cxnLst>
+                <a:cxn ang="0">
+                  <a:pos x="connsiteX0" y="connsiteY0"/>
+                </a:cxn>
+                <a:cxn ang="0">
+                  <a:pos x="connsiteX1" y="connsiteY1"/>
+                </a:cxn>
+                <a:cxn ang="0">
+                  <a:pos x="connsiteX2" y="connsiteY2"/>
+                </a:cxn>
+                <a:cxn ang="0">
+                  <a:pos x="connsiteX3" y="connsiteY3"/>
+                </a:cxn>
+                <a:cxn ang="0">
+                  <a:pos x="connsiteX4" y="connsiteY4"/>
+                </a:cxn>
+                <a:cxn ang="0">
+                  <a:pos x="connsiteX5" y="connsiteY5"/>
+                </a:cxn>
+                <a:cxn ang="0">
+                  <a:pos x="connsiteX6" y="connsiteY6"/>
+                </a:cxn>
+                <a:cxn ang="0">
+                  <a:pos x="connsiteX7" y="connsiteY7"/>
+                </a:cxn>
+                <a:cxn ang="0">
+                  <a:pos x="connsiteX8" y="connsiteY8"/>
+                </a:cxn>
+              </a:cxnLst>
+              <a:rect l="l" t="t" r="r" b="b"/>
+              <a:pathLst>
+                <a:path w="2020453" h="1212272">
+                  <a:moveTo>
+                    <a:pt x="0" y="121227"/>
+                  </a:moveTo>
+                  <a:cubicBezTo>
+                    <a:pt x="0" y="54275"/>
+                    <a:pt x="54275" y="0"/>
+                    <a:pt x="121227" y="0"/>
+                  </a:cubicBezTo>
+                  <a:lnTo>
+                    <a:pt x="1899226" y="0"/>
+                  </a:lnTo>
+                  <a:cubicBezTo>
+                    <a:pt x="1966178" y="0"/>
+                    <a:pt x="2020453" y="54275"/>
+                    <a:pt x="2020453" y="121227"/>
+                  </a:cubicBezTo>
+                  <a:lnTo>
+                    <a:pt x="2020453" y="1091045"/>
+                  </a:lnTo>
+                  <a:cubicBezTo>
+                    <a:pt x="2020453" y="1157997"/>
+                    <a:pt x="1966178" y="1212272"/>
+                    <a:pt x="1899226" y="1212272"/>
+                  </a:cubicBezTo>
+                  <a:lnTo>
+                    <a:pt x="121227" y="1212272"/>
+                  </a:lnTo>
+                  <a:cubicBezTo>
+                    <a:pt x="54275" y="1212272"/>
+                    <a:pt x="0" y="1157997"/>
+                    <a:pt x="0" y="1091045"/>
+                  </a:cubicBezTo>
+                  <a:lnTo>
+                    <a:pt x="0" y="121227"/>
+                  </a:lnTo>
+                  <a:close/>
+                </a:path>
+              </a:pathLst>
+            </a:custGeom>
+            <a:scene3d>
+              <a:camera prst="orthographicFront"/>
+              <a:lightRig rig="flat" dir="t"/>
+            </a:scene3d>
+            <a:sp3d prstMaterial="plastic">
+              <a:bevelT w="120900" h="88900"/>
+              <a:bevelB w="88900" h="31750" prst="angle"/>
+            </a:sp3d>
+          </p:spPr>
+          <p:style>
+            <a:lnRef idx="0">
+              <a:schemeClr val="lt1">
+                <a:hueOff val="0"/>
+                <a:satOff val="0"/>
+                <a:lumOff val="0"/>
+                <a:alphaOff val="0"/>
+              </a:schemeClr>
+            </a:lnRef>
+            <a:fillRef idx="3">
+              <a:schemeClr val="accent1">
+                <a:hueOff val="0"/>
+                <a:satOff val="0"/>
+                <a:lumOff val="0"/>
+                <a:alphaOff val="0"/>
+              </a:schemeClr>
+            </a:fillRef>
+            <a:effectRef idx="2">
+              <a:schemeClr val="accent1">
+                <a:hueOff val="0"/>
+                <a:satOff val="0"/>
+                <a:lumOff val="0"/>
+                <a:alphaOff val="0"/>
+              </a:schemeClr>
+            </a:effectRef>
+            <a:fontRef idx="minor">
+              <a:schemeClr val="lt1"/>
+            </a:fontRef>
+          </p:style>
+          <p:txBody>
+            <a:bodyPr spcFirstLastPara="0" vert="horz" wrap="square" lIns="123136" tIns="123136" rIns="123136" bIns="123136" numCol="1" spcCol="1270" anchor="ctr" anchorCtr="0">
+              <a:noAutofit/>
+            </a:bodyPr>
+            <a:lstStyle/>
+            <a:p>
+              <a:pPr marL="0" lvl="0" indent="0" algn="ctr" defTabSz="1022350">
+                <a:lnSpc>
+                  <a:spcPct val="90000"/>
+                </a:lnSpc>
+                <a:spcBef>
+                  <a:spcPct val="0"/>
+                </a:spcBef>
+                <a:spcAft>
+                  <a:spcPct val="35000"/>
+                </a:spcAft>
+                <a:buNone/>
+              </a:pPr>
+              <a:r>
+                <a:rPr lang="en-US" sz="2300" kern="1200" dirty="0"/>
+                <a:t>Particle Initialization</a:t>
+              </a:r>
+            </a:p>
+            <a:p>
+              <a:pPr marL="0" lvl="0" indent="0" algn="ctr" defTabSz="1022350">
+                <a:lnSpc>
+                  <a:spcPct val="90000"/>
+                </a:lnSpc>
+                <a:spcBef>
+                  <a:spcPct val="0"/>
+                </a:spcBef>
+                <a:spcAft>
+                  <a:spcPct val="35000"/>
+                </a:spcAft>
+                <a:buNone/>
+              </a:pPr>
+              <a:r>
+                <a:rPr lang="en-US" sz="1600" kern="1200" dirty="0"/>
+                <a:t>t = 0</a:t>
+              </a:r>
+            </a:p>
+          </p:txBody>
+        </p:sp>
+        <p:sp>
+          <p:nvSpPr>
+            <p:cNvPr id="7" name="Freeform: Shape 6">
+              <a:extLst>
+                <a:ext uri="{FF2B5EF4-FFF2-40B4-BE49-F238E27FC236}">
+                  <a16:creationId xmlns:a16="http://schemas.microsoft.com/office/drawing/2014/main" id="{F2F4069A-4480-27A1-230B-289F6D9DFF3F}"/>
+                </a:ext>
+              </a:extLst>
+            </p:cNvPr>
+            <p:cNvSpPr/>
+            <p:nvPr/>
+          </p:nvSpPr>
+          <p:spPr>
+            <a:xfrm>
+              <a:off x="3065319" y="3750757"/>
+              <a:ext cx="428336" cy="501072"/>
+            </a:xfrm>
+            <a:custGeom>
+              <a:avLst/>
+              <a:gdLst>
+                <a:gd name="connsiteX0" fmla="*/ 0 w 428336"/>
+                <a:gd name="connsiteY0" fmla="*/ 100214 h 501072"/>
+                <a:gd name="connsiteX1" fmla="*/ 214168 w 428336"/>
+                <a:gd name="connsiteY1" fmla="*/ 100214 h 501072"/>
+                <a:gd name="connsiteX2" fmla="*/ 214168 w 428336"/>
+                <a:gd name="connsiteY2" fmla="*/ 0 h 501072"/>
+                <a:gd name="connsiteX3" fmla="*/ 428336 w 428336"/>
+                <a:gd name="connsiteY3" fmla="*/ 250536 h 501072"/>
+                <a:gd name="connsiteX4" fmla="*/ 214168 w 428336"/>
+                <a:gd name="connsiteY4" fmla="*/ 501072 h 501072"/>
+                <a:gd name="connsiteX5" fmla="*/ 214168 w 428336"/>
+                <a:gd name="connsiteY5" fmla="*/ 400858 h 501072"/>
+                <a:gd name="connsiteX6" fmla="*/ 0 w 428336"/>
+                <a:gd name="connsiteY6" fmla="*/ 400858 h 501072"/>
+                <a:gd name="connsiteX7" fmla="*/ 0 w 428336"/>
+                <a:gd name="connsiteY7" fmla="*/ 100214 h 501072"/>
+              </a:gdLst>
+              <a:ahLst/>
+              <a:cxnLst>
+                <a:cxn ang="0">
+                  <a:pos x="connsiteX0" y="connsiteY0"/>
+                </a:cxn>
+                <a:cxn ang="0">
+                  <a:pos x="connsiteX1" y="connsiteY1"/>
+                </a:cxn>
+                <a:cxn ang="0">
+                  <a:pos x="connsiteX2" y="connsiteY2"/>
+                </a:cxn>
+                <a:cxn ang="0">
+                  <a:pos x="connsiteX3" y="connsiteY3"/>
+                </a:cxn>
+                <a:cxn ang="0">
+                  <a:pos x="connsiteX4" y="connsiteY4"/>
+                </a:cxn>
+                <a:cxn ang="0">
+                  <a:pos x="connsiteX5" y="connsiteY5"/>
+                </a:cxn>
+                <a:cxn ang="0">
+                  <a:pos x="connsiteX6" y="connsiteY6"/>
+                </a:cxn>
+                <a:cxn ang="0">
+                  <a:pos x="connsiteX7" y="connsiteY7"/>
+                </a:cxn>
+              </a:cxnLst>
+              <a:rect l="l" t="t" r="r" b="b"/>
+              <a:pathLst>
+                <a:path w="428336" h="501072">
+                  <a:moveTo>
+                    <a:pt x="0" y="100214"/>
+                  </a:moveTo>
+                  <a:lnTo>
+                    <a:pt x="214168" y="100214"/>
+                  </a:lnTo>
+                  <a:lnTo>
+                    <a:pt x="214168" y="0"/>
+                  </a:lnTo>
+                  <a:lnTo>
+                    <a:pt x="428336" y="250536"/>
+                  </a:lnTo>
+                  <a:lnTo>
+                    <a:pt x="214168" y="501072"/>
+                  </a:lnTo>
+                  <a:lnTo>
+                    <a:pt x="214168" y="400858"/>
+                  </a:lnTo>
+                  <a:lnTo>
+                    <a:pt x="0" y="400858"/>
+                  </a:lnTo>
+                  <a:lnTo>
+                    <a:pt x="0" y="100214"/>
+                  </a:lnTo>
+                  <a:close/>
+                </a:path>
+              </a:pathLst>
+            </a:custGeom>
+            <a:scene3d>
+              <a:camera prst="orthographicFront"/>
+              <a:lightRig rig="flat" dir="t"/>
+            </a:scene3d>
+            <a:sp3d z="-80000" prstMaterial="plastic">
+              <a:bevelT w="50800" h="50800"/>
+              <a:bevelB w="25400" h="25400" prst="angle"/>
+            </a:sp3d>
+          </p:spPr>
+          <p:style>
+            <a:lnRef idx="0">
+              <a:schemeClr val="accent1">
+                <a:tint val="60000"/>
+                <a:hueOff val="0"/>
+                <a:satOff val="0"/>
+                <a:lumOff val="0"/>
+                <a:alphaOff val="0"/>
+              </a:schemeClr>
+            </a:lnRef>
+            <a:fillRef idx="3">
+              <a:schemeClr val="accent1">
+                <a:tint val="60000"/>
+                <a:hueOff val="0"/>
+                <a:satOff val="0"/>
+                <a:lumOff val="0"/>
+                <a:alphaOff val="0"/>
+              </a:schemeClr>
+            </a:fillRef>
+            <a:effectRef idx="2">
+              <a:schemeClr val="accent1">
+                <a:tint val="60000"/>
+                <a:hueOff val="0"/>
+                <a:satOff val="0"/>
+                <a:lumOff val="0"/>
+                <a:alphaOff val="0"/>
+              </a:schemeClr>
+            </a:effectRef>
+            <a:fontRef idx="minor">
+              <a:schemeClr val="lt1"/>
+            </a:fontRef>
+          </p:style>
+          <p:txBody>
+            <a:bodyPr spcFirstLastPara="0" vert="horz" wrap="square" lIns="0" tIns="100214" rIns="128501" bIns="100214" numCol="1" spcCol="1270" anchor="ctr" anchorCtr="0">
+              <a:noAutofit/>
+            </a:bodyPr>
+            <a:lstStyle/>
+            <a:p>
+              <a:pPr marL="0" lvl="0" indent="0" algn="ctr" defTabSz="800100">
+                <a:lnSpc>
+                  <a:spcPct val="90000"/>
+                </a:lnSpc>
+                <a:spcBef>
+                  <a:spcPct val="0"/>
+                </a:spcBef>
+                <a:spcAft>
+                  <a:spcPct val="35000"/>
+                </a:spcAft>
+                <a:buNone/>
+              </a:pPr>
+              <a:endParaRPr lang="en-US" sz="1800" kern="1200"/>
+            </a:p>
+          </p:txBody>
+        </p:sp>
+        <p:sp>
+          <p:nvSpPr>
+            <p:cNvPr id="8" name="Freeform: Shape 7">
+              <a:extLst>
+                <a:ext uri="{FF2B5EF4-FFF2-40B4-BE49-F238E27FC236}">
+                  <a16:creationId xmlns:a16="http://schemas.microsoft.com/office/drawing/2014/main" id="{47F8F85A-D83D-EB09-7F4F-A2C8A8E72710}"/>
+                </a:ext>
+              </a:extLst>
+            </p:cNvPr>
+            <p:cNvSpPr/>
+            <p:nvPr/>
+          </p:nvSpPr>
+          <p:spPr>
+            <a:xfrm>
+              <a:off x="3671455" y="3395157"/>
+              <a:ext cx="2020453" cy="1212272"/>
+            </a:xfrm>
+            <a:custGeom>
+              <a:avLst/>
+              <a:gdLst>
+                <a:gd name="connsiteX0" fmla="*/ 0 w 2020453"/>
+                <a:gd name="connsiteY0" fmla="*/ 121227 h 1212272"/>
+                <a:gd name="connsiteX1" fmla="*/ 121227 w 2020453"/>
+                <a:gd name="connsiteY1" fmla="*/ 0 h 1212272"/>
+                <a:gd name="connsiteX2" fmla="*/ 1899226 w 2020453"/>
+                <a:gd name="connsiteY2" fmla="*/ 0 h 1212272"/>
+                <a:gd name="connsiteX3" fmla="*/ 2020453 w 2020453"/>
+                <a:gd name="connsiteY3" fmla="*/ 121227 h 1212272"/>
+                <a:gd name="connsiteX4" fmla="*/ 2020453 w 2020453"/>
+                <a:gd name="connsiteY4" fmla="*/ 1091045 h 1212272"/>
+                <a:gd name="connsiteX5" fmla="*/ 1899226 w 2020453"/>
+                <a:gd name="connsiteY5" fmla="*/ 1212272 h 1212272"/>
+                <a:gd name="connsiteX6" fmla="*/ 121227 w 2020453"/>
+                <a:gd name="connsiteY6" fmla="*/ 1212272 h 1212272"/>
+                <a:gd name="connsiteX7" fmla="*/ 0 w 2020453"/>
+                <a:gd name="connsiteY7" fmla="*/ 1091045 h 1212272"/>
+                <a:gd name="connsiteX8" fmla="*/ 0 w 2020453"/>
+                <a:gd name="connsiteY8" fmla="*/ 121227 h 1212272"/>
+              </a:gdLst>
+              <a:ahLst/>
+              <a:cxnLst>
+                <a:cxn ang="0">
+                  <a:pos x="connsiteX0" y="connsiteY0"/>
+                </a:cxn>
+                <a:cxn ang="0">
+                  <a:pos x="connsiteX1" y="connsiteY1"/>
+                </a:cxn>
+                <a:cxn ang="0">
+                  <a:pos x="connsiteX2" y="connsiteY2"/>
+                </a:cxn>
+                <a:cxn ang="0">
+                  <a:pos x="connsiteX3" y="connsiteY3"/>
+                </a:cxn>
+                <a:cxn ang="0">
+                  <a:pos x="connsiteX4" y="connsiteY4"/>
+                </a:cxn>
+                <a:cxn ang="0">
+                  <a:pos x="connsiteX5" y="connsiteY5"/>
+                </a:cxn>
+                <a:cxn ang="0">
+                  <a:pos x="connsiteX6" y="connsiteY6"/>
+                </a:cxn>
+                <a:cxn ang="0">
+                  <a:pos x="connsiteX7" y="connsiteY7"/>
+                </a:cxn>
+                <a:cxn ang="0">
+                  <a:pos x="connsiteX8" y="connsiteY8"/>
+                </a:cxn>
+              </a:cxnLst>
+              <a:rect l="l" t="t" r="r" b="b"/>
+              <a:pathLst>
+                <a:path w="2020453" h="1212272">
+                  <a:moveTo>
+                    <a:pt x="0" y="121227"/>
+                  </a:moveTo>
+                  <a:cubicBezTo>
+                    <a:pt x="0" y="54275"/>
+                    <a:pt x="54275" y="0"/>
+                    <a:pt x="121227" y="0"/>
+                  </a:cubicBezTo>
+                  <a:lnTo>
+                    <a:pt x="1899226" y="0"/>
+                  </a:lnTo>
+                  <a:cubicBezTo>
+                    <a:pt x="1966178" y="0"/>
+                    <a:pt x="2020453" y="54275"/>
+                    <a:pt x="2020453" y="121227"/>
+                  </a:cubicBezTo>
+                  <a:lnTo>
+                    <a:pt x="2020453" y="1091045"/>
+                  </a:lnTo>
+                  <a:cubicBezTo>
+                    <a:pt x="2020453" y="1157997"/>
+                    <a:pt x="1966178" y="1212272"/>
+                    <a:pt x="1899226" y="1212272"/>
+                  </a:cubicBezTo>
+                  <a:lnTo>
+                    <a:pt x="121227" y="1212272"/>
+                  </a:lnTo>
+                  <a:cubicBezTo>
+                    <a:pt x="54275" y="1212272"/>
+                    <a:pt x="0" y="1157997"/>
+                    <a:pt x="0" y="1091045"/>
+                  </a:cubicBezTo>
+                  <a:lnTo>
+                    <a:pt x="0" y="121227"/>
+                  </a:lnTo>
+                  <a:close/>
+                </a:path>
+              </a:pathLst>
+            </a:custGeom>
+            <a:scene3d>
+              <a:camera prst="orthographicFront"/>
+              <a:lightRig rig="flat" dir="t"/>
+            </a:scene3d>
+            <a:sp3d prstMaterial="plastic">
+              <a:bevelT w="120900" h="88900"/>
+              <a:bevelB w="88900" h="31750" prst="angle"/>
+            </a:sp3d>
+          </p:spPr>
+          <p:style>
+            <a:lnRef idx="0">
+              <a:schemeClr val="lt1">
+                <a:hueOff val="0"/>
+                <a:satOff val="0"/>
+                <a:lumOff val="0"/>
+                <a:alphaOff val="0"/>
+              </a:schemeClr>
+            </a:lnRef>
+            <a:fillRef idx="3">
+              <a:schemeClr val="accent1">
+                <a:hueOff val="0"/>
+                <a:satOff val="0"/>
+                <a:lumOff val="0"/>
+                <a:alphaOff val="0"/>
+              </a:schemeClr>
+            </a:fillRef>
+            <a:effectRef idx="2">
+              <a:schemeClr val="accent1">
+                <a:hueOff val="0"/>
+                <a:satOff val="0"/>
+                <a:lumOff val="0"/>
+                <a:alphaOff val="0"/>
+              </a:schemeClr>
+            </a:effectRef>
+            <a:fontRef idx="minor">
+              <a:schemeClr val="lt1"/>
+            </a:fontRef>
+          </p:style>
+          <p:txBody>
+            <a:bodyPr spcFirstLastPara="0" vert="horz" wrap="square" lIns="123136" tIns="123136" rIns="123136" bIns="123136" numCol="1" spcCol="1270" anchor="ctr" anchorCtr="0">
+              <a:noAutofit/>
+            </a:bodyPr>
+            <a:lstStyle/>
+            <a:p>
+              <a:pPr marL="0" lvl="0" indent="0" algn="ctr" defTabSz="1022350">
+                <a:lnSpc>
+                  <a:spcPct val="90000"/>
+                </a:lnSpc>
+                <a:spcBef>
+                  <a:spcPct val="0"/>
+                </a:spcBef>
+                <a:spcAft>
+                  <a:spcPct val="35000"/>
+                </a:spcAft>
+                <a:buNone/>
+              </a:pPr>
+              <a:r>
+                <a:rPr lang="en-US" sz="2300" kern="1200" dirty="0"/>
+                <a:t>Motion Model Update</a:t>
+              </a:r>
+            </a:p>
+            <a:p>
+              <a:pPr marL="0" lvl="0" indent="0" algn="ctr" defTabSz="1022350">
+                <a:lnSpc>
+                  <a:spcPct val="90000"/>
+                </a:lnSpc>
+                <a:spcBef>
+                  <a:spcPct val="0"/>
+                </a:spcBef>
+                <a:spcAft>
+                  <a:spcPct val="35000"/>
+                </a:spcAft>
+                <a:buNone/>
+              </a:pPr>
+              <a:r>
+                <a:rPr lang="en-US" sz="1600" dirty="0"/>
+                <a:t>t = 1,2,…,n</a:t>
+              </a:r>
+              <a:endParaRPr lang="en-US" sz="1600" kern="1200" dirty="0"/>
+            </a:p>
+          </p:txBody>
+        </p:sp>
+        <p:sp>
+          <p:nvSpPr>
+            <p:cNvPr id="9" name="Freeform: Shape 8">
+              <a:extLst>
+                <a:ext uri="{FF2B5EF4-FFF2-40B4-BE49-F238E27FC236}">
+                  <a16:creationId xmlns:a16="http://schemas.microsoft.com/office/drawing/2014/main" id="{3CD7605F-3793-2727-9010-62B4F3C30606}"/>
+                </a:ext>
+              </a:extLst>
+            </p:cNvPr>
+            <p:cNvSpPr/>
+            <p:nvPr/>
+          </p:nvSpPr>
+          <p:spPr>
+            <a:xfrm>
+              <a:off x="5893954" y="3750757"/>
+              <a:ext cx="428336" cy="501072"/>
+            </a:xfrm>
+            <a:custGeom>
+              <a:avLst/>
+              <a:gdLst>
+                <a:gd name="connsiteX0" fmla="*/ 0 w 428336"/>
+                <a:gd name="connsiteY0" fmla="*/ 100214 h 501072"/>
+                <a:gd name="connsiteX1" fmla="*/ 214168 w 428336"/>
+                <a:gd name="connsiteY1" fmla="*/ 100214 h 501072"/>
+                <a:gd name="connsiteX2" fmla="*/ 214168 w 428336"/>
+                <a:gd name="connsiteY2" fmla="*/ 0 h 501072"/>
+                <a:gd name="connsiteX3" fmla="*/ 428336 w 428336"/>
+                <a:gd name="connsiteY3" fmla="*/ 250536 h 501072"/>
+                <a:gd name="connsiteX4" fmla="*/ 214168 w 428336"/>
+                <a:gd name="connsiteY4" fmla="*/ 501072 h 501072"/>
+                <a:gd name="connsiteX5" fmla="*/ 214168 w 428336"/>
+                <a:gd name="connsiteY5" fmla="*/ 400858 h 501072"/>
+                <a:gd name="connsiteX6" fmla="*/ 0 w 428336"/>
+                <a:gd name="connsiteY6" fmla="*/ 400858 h 501072"/>
+                <a:gd name="connsiteX7" fmla="*/ 0 w 428336"/>
+                <a:gd name="connsiteY7" fmla="*/ 100214 h 501072"/>
+              </a:gdLst>
+              <a:ahLst/>
+              <a:cxnLst>
+                <a:cxn ang="0">
+                  <a:pos x="connsiteX0" y="connsiteY0"/>
+                </a:cxn>
+                <a:cxn ang="0">
+                  <a:pos x="connsiteX1" y="connsiteY1"/>
+                </a:cxn>
+                <a:cxn ang="0">
+                  <a:pos x="connsiteX2" y="connsiteY2"/>
+                </a:cxn>
+                <a:cxn ang="0">
+                  <a:pos x="connsiteX3" y="connsiteY3"/>
+                </a:cxn>
+                <a:cxn ang="0">
+                  <a:pos x="connsiteX4" y="connsiteY4"/>
+                </a:cxn>
+                <a:cxn ang="0">
+                  <a:pos x="connsiteX5" y="connsiteY5"/>
+                </a:cxn>
+                <a:cxn ang="0">
+                  <a:pos x="connsiteX6" y="connsiteY6"/>
+                </a:cxn>
+                <a:cxn ang="0">
+                  <a:pos x="connsiteX7" y="connsiteY7"/>
+                </a:cxn>
+              </a:cxnLst>
+              <a:rect l="l" t="t" r="r" b="b"/>
+              <a:pathLst>
+                <a:path w="428336" h="501072">
+                  <a:moveTo>
+                    <a:pt x="0" y="100214"/>
+                  </a:moveTo>
+                  <a:lnTo>
+                    <a:pt x="214168" y="100214"/>
+                  </a:lnTo>
+                  <a:lnTo>
+                    <a:pt x="214168" y="0"/>
+                  </a:lnTo>
+                  <a:lnTo>
+                    <a:pt x="428336" y="250536"/>
+                  </a:lnTo>
+                  <a:lnTo>
+                    <a:pt x="214168" y="501072"/>
+                  </a:lnTo>
+                  <a:lnTo>
+                    <a:pt x="214168" y="400858"/>
+                  </a:lnTo>
+                  <a:lnTo>
+                    <a:pt x="0" y="400858"/>
+                  </a:lnTo>
+                  <a:lnTo>
+                    <a:pt x="0" y="100214"/>
+                  </a:lnTo>
+                  <a:close/>
+                </a:path>
+              </a:pathLst>
+            </a:custGeom>
+            <a:scene3d>
+              <a:camera prst="orthographicFront"/>
+              <a:lightRig rig="flat" dir="t"/>
+            </a:scene3d>
+            <a:sp3d z="-80000" prstMaterial="plastic">
+              <a:bevelT w="50800" h="50800"/>
+              <a:bevelB w="25400" h="25400" prst="angle"/>
+            </a:sp3d>
+          </p:spPr>
+          <p:style>
+            <a:lnRef idx="0">
+              <a:schemeClr val="accent1">
+                <a:tint val="60000"/>
+                <a:hueOff val="0"/>
+                <a:satOff val="0"/>
+                <a:lumOff val="0"/>
+                <a:alphaOff val="0"/>
+              </a:schemeClr>
+            </a:lnRef>
+            <a:fillRef idx="3">
+              <a:schemeClr val="accent1">
+                <a:tint val="60000"/>
+                <a:hueOff val="0"/>
+                <a:satOff val="0"/>
+                <a:lumOff val="0"/>
+                <a:alphaOff val="0"/>
+              </a:schemeClr>
+            </a:fillRef>
+            <a:effectRef idx="2">
+              <a:schemeClr val="accent1">
+                <a:tint val="60000"/>
+                <a:hueOff val="0"/>
+                <a:satOff val="0"/>
+                <a:lumOff val="0"/>
+                <a:alphaOff val="0"/>
+              </a:schemeClr>
+            </a:effectRef>
+            <a:fontRef idx="minor">
+              <a:schemeClr val="lt1"/>
+            </a:fontRef>
+          </p:style>
+          <p:txBody>
+            <a:bodyPr spcFirstLastPara="0" vert="horz" wrap="square" lIns="0" tIns="100214" rIns="128501" bIns="100214" numCol="1" spcCol="1270" anchor="ctr" anchorCtr="0">
+              <a:noAutofit/>
+            </a:bodyPr>
+            <a:lstStyle/>
+            <a:p>
+              <a:pPr marL="0" lvl="0" indent="0" algn="ctr" defTabSz="800100">
+                <a:lnSpc>
+                  <a:spcPct val="90000"/>
+                </a:lnSpc>
+                <a:spcBef>
+                  <a:spcPct val="0"/>
+                </a:spcBef>
+                <a:spcAft>
+                  <a:spcPct val="35000"/>
+                </a:spcAft>
+                <a:buNone/>
+              </a:pPr>
+              <a:endParaRPr lang="en-US" sz="1800" kern="1200"/>
+            </a:p>
+          </p:txBody>
+        </p:sp>
+        <p:sp>
+          <p:nvSpPr>
+            <p:cNvPr id="10" name="Freeform: Shape 9">
+              <a:extLst>
+                <a:ext uri="{FF2B5EF4-FFF2-40B4-BE49-F238E27FC236}">
+                  <a16:creationId xmlns:a16="http://schemas.microsoft.com/office/drawing/2014/main" id="{85E01771-AEE6-0FBC-05E4-FAA702557F5C}"/>
+                </a:ext>
+              </a:extLst>
+            </p:cNvPr>
+            <p:cNvSpPr/>
+            <p:nvPr/>
+          </p:nvSpPr>
+          <p:spPr>
+            <a:xfrm>
+              <a:off x="6500090" y="3395157"/>
+              <a:ext cx="2020453" cy="1212272"/>
+            </a:xfrm>
+            <a:custGeom>
+              <a:avLst/>
+              <a:gdLst>
+                <a:gd name="connsiteX0" fmla="*/ 0 w 2020453"/>
+                <a:gd name="connsiteY0" fmla="*/ 121227 h 1212272"/>
+                <a:gd name="connsiteX1" fmla="*/ 121227 w 2020453"/>
+                <a:gd name="connsiteY1" fmla="*/ 0 h 1212272"/>
+                <a:gd name="connsiteX2" fmla="*/ 1899226 w 2020453"/>
+                <a:gd name="connsiteY2" fmla="*/ 0 h 1212272"/>
+                <a:gd name="connsiteX3" fmla="*/ 2020453 w 2020453"/>
+                <a:gd name="connsiteY3" fmla="*/ 121227 h 1212272"/>
+                <a:gd name="connsiteX4" fmla="*/ 2020453 w 2020453"/>
+                <a:gd name="connsiteY4" fmla="*/ 1091045 h 1212272"/>
+                <a:gd name="connsiteX5" fmla="*/ 1899226 w 2020453"/>
+                <a:gd name="connsiteY5" fmla="*/ 1212272 h 1212272"/>
+                <a:gd name="connsiteX6" fmla="*/ 121227 w 2020453"/>
+                <a:gd name="connsiteY6" fmla="*/ 1212272 h 1212272"/>
+                <a:gd name="connsiteX7" fmla="*/ 0 w 2020453"/>
+                <a:gd name="connsiteY7" fmla="*/ 1091045 h 1212272"/>
+                <a:gd name="connsiteX8" fmla="*/ 0 w 2020453"/>
+                <a:gd name="connsiteY8" fmla="*/ 121227 h 1212272"/>
+              </a:gdLst>
+              <a:ahLst/>
+              <a:cxnLst>
+                <a:cxn ang="0">
+                  <a:pos x="connsiteX0" y="connsiteY0"/>
+                </a:cxn>
+                <a:cxn ang="0">
+                  <a:pos x="connsiteX1" y="connsiteY1"/>
+                </a:cxn>
+                <a:cxn ang="0">
+                  <a:pos x="connsiteX2" y="connsiteY2"/>
+                </a:cxn>
+                <a:cxn ang="0">
+                  <a:pos x="connsiteX3" y="connsiteY3"/>
+                </a:cxn>
+                <a:cxn ang="0">
+                  <a:pos x="connsiteX4" y="connsiteY4"/>
+                </a:cxn>
+                <a:cxn ang="0">
+                  <a:pos x="connsiteX5" y="connsiteY5"/>
+                </a:cxn>
+                <a:cxn ang="0">
+                  <a:pos x="connsiteX6" y="connsiteY6"/>
+                </a:cxn>
+                <a:cxn ang="0">
+                  <a:pos x="connsiteX7" y="connsiteY7"/>
+                </a:cxn>
+                <a:cxn ang="0">
+                  <a:pos x="connsiteX8" y="connsiteY8"/>
+                </a:cxn>
+              </a:cxnLst>
+              <a:rect l="l" t="t" r="r" b="b"/>
+              <a:pathLst>
+                <a:path w="2020453" h="1212272">
+                  <a:moveTo>
+                    <a:pt x="0" y="121227"/>
+                  </a:moveTo>
+                  <a:cubicBezTo>
+                    <a:pt x="0" y="54275"/>
+                    <a:pt x="54275" y="0"/>
+                    <a:pt x="121227" y="0"/>
+                  </a:cubicBezTo>
+                  <a:lnTo>
+                    <a:pt x="1899226" y="0"/>
+                  </a:lnTo>
+                  <a:cubicBezTo>
+                    <a:pt x="1966178" y="0"/>
+                    <a:pt x="2020453" y="54275"/>
+                    <a:pt x="2020453" y="121227"/>
+                  </a:cubicBezTo>
+                  <a:lnTo>
+                    <a:pt x="2020453" y="1091045"/>
+                  </a:lnTo>
+                  <a:cubicBezTo>
+                    <a:pt x="2020453" y="1157997"/>
+                    <a:pt x="1966178" y="1212272"/>
+                    <a:pt x="1899226" y="1212272"/>
+                  </a:cubicBezTo>
+                  <a:lnTo>
+                    <a:pt x="121227" y="1212272"/>
+                  </a:lnTo>
+                  <a:cubicBezTo>
+                    <a:pt x="54275" y="1212272"/>
+                    <a:pt x="0" y="1157997"/>
+                    <a:pt x="0" y="1091045"/>
+                  </a:cubicBezTo>
+                  <a:lnTo>
+                    <a:pt x="0" y="121227"/>
+                  </a:lnTo>
+                  <a:close/>
+                </a:path>
+              </a:pathLst>
+            </a:custGeom>
+            <a:scene3d>
+              <a:camera prst="orthographicFront"/>
+              <a:lightRig rig="flat" dir="t"/>
+            </a:scene3d>
+            <a:sp3d prstMaterial="plastic">
+              <a:bevelT w="120900" h="88900"/>
+              <a:bevelB w="88900" h="31750" prst="angle"/>
+            </a:sp3d>
+          </p:spPr>
+          <p:style>
+            <a:lnRef idx="0">
+              <a:schemeClr val="lt1">
+                <a:hueOff val="0"/>
+                <a:satOff val="0"/>
+                <a:lumOff val="0"/>
+                <a:alphaOff val="0"/>
+              </a:schemeClr>
+            </a:lnRef>
+            <a:fillRef idx="3">
+              <a:schemeClr val="accent1">
+                <a:hueOff val="0"/>
+                <a:satOff val="0"/>
+                <a:lumOff val="0"/>
+                <a:alphaOff val="0"/>
+              </a:schemeClr>
+            </a:fillRef>
+            <a:effectRef idx="2">
+              <a:schemeClr val="accent1">
+                <a:hueOff val="0"/>
+                <a:satOff val="0"/>
+                <a:lumOff val="0"/>
+                <a:alphaOff val="0"/>
+              </a:schemeClr>
+            </a:effectRef>
+            <a:fontRef idx="minor">
+              <a:schemeClr val="lt1"/>
+            </a:fontRef>
+          </p:style>
+          <p:txBody>
+            <a:bodyPr spcFirstLastPara="0" vert="horz" wrap="square" lIns="123136" tIns="123136" rIns="123136" bIns="123136" numCol="1" spcCol="1270" anchor="ctr" anchorCtr="0">
+              <a:noAutofit/>
+            </a:bodyPr>
+            <a:lstStyle/>
+            <a:p>
+              <a:pPr marL="0" lvl="0" indent="0" algn="ctr" defTabSz="1022350">
+                <a:lnSpc>
+                  <a:spcPct val="90000"/>
+                </a:lnSpc>
+                <a:spcBef>
+                  <a:spcPct val="0"/>
+                </a:spcBef>
+                <a:spcAft>
+                  <a:spcPct val="35000"/>
+                </a:spcAft>
+                <a:buNone/>
+              </a:pPr>
+              <a:r>
+                <a:rPr lang="en-US" sz="2300" kern="1200" dirty="0"/>
+                <a:t>Measurement Update</a:t>
+              </a:r>
+            </a:p>
+            <a:p>
+              <a:pPr marL="0" lvl="0" indent="0" algn="ctr" defTabSz="1022350">
+                <a:lnSpc>
+                  <a:spcPct val="90000"/>
+                </a:lnSpc>
+                <a:spcBef>
+                  <a:spcPct val="0"/>
+                </a:spcBef>
+                <a:spcAft>
+                  <a:spcPct val="35000"/>
+                </a:spcAft>
+                <a:buNone/>
+              </a:pPr>
+              <a:r>
+                <a:rPr lang="en-US" sz="1600" dirty="0"/>
+                <a:t>if measurement exists…</a:t>
+              </a:r>
+              <a:endParaRPr lang="en-US" sz="1600" kern="1200" dirty="0"/>
+            </a:p>
+          </p:txBody>
+        </p:sp>
+        <p:sp>
+          <p:nvSpPr>
+            <p:cNvPr id="11" name="Freeform: Shape 10">
+              <a:extLst>
+                <a:ext uri="{FF2B5EF4-FFF2-40B4-BE49-F238E27FC236}">
+                  <a16:creationId xmlns:a16="http://schemas.microsoft.com/office/drawing/2014/main" id="{0DB47671-AEA3-D55B-04A6-630CDBC2A3CE}"/>
+                </a:ext>
+              </a:extLst>
+            </p:cNvPr>
+            <p:cNvSpPr/>
+            <p:nvPr/>
+          </p:nvSpPr>
+          <p:spPr>
+            <a:xfrm>
+              <a:off x="8722589" y="3750757"/>
+              <a:ext cx="428336" cy="501072"/>
+            </a:xfrm>
+            <a:custGeom>
+              <a:avLst/>
+              <a:gdLst>
+                <a:gd name="connsiteX0" fmla="*/ 0 w 428336"/>
+                <a:gd name="connsiteY0" fmla="*/ 100214 h 501072"/>
+                <a:gd name="connsiteX1" fmla="*/ 214168 w 428336"/>
+                <a:gd name="connsiteY1" fmla="*/ 100214 h 501072"/>
+                <a:gd name="connsiteX2" fmla="*/ 214168 w 428336"/>
+                <a:gd name="connsiteY2" fmla="*/ 0 h 501072"/>
+                <a:gd name="connsiteX3" fmla="*/ 428336 w 428336"/>
+                <a:gd name="connsiteY3" fmla="*/ 250536 h 501072"/>
+                <a:gd name="connsiteX4" fmla="*/ 214168 w 428336"/>
+                <a:gd name="connsiteY4" fmla="*/ 501072 h 501072"/>
+                <a:gd name="connsiteX5" fmla="*/ 214168 w 428336"/>
+                <a:gd name="connsiteY5" fmla="*/ 400858 h 501072"/>
+                <a:gd name="connsiteX6" fmla="*/ 0 w 428336"/>
+                <a:gd name="connsiteY6" fmla="*/ 400858 h 501072"/>
+                <a:gd name="connsiteX7" fmla="*/ 0 w 428336"/>
+                <a:gd name="connsiteY7" fmla="*/ 100214 h 501072"/>
+              </a:gdLst>
+              <a:ahLst/>
+              <a:cxnLst>
+                <a:cxn ang="0">
+                  <a:pos x="connsiteX0" y="connsiteY0"/>
+                </a:cxn>
+                <a:cxn ang="0">
+                  <a:pos x="connsiteX1" y="connsiteY1"/>
+                </a:cxn>
+                <a:cxn ang="0">
+                  <a:pos x="connsiteX2" y="connsiteY2"/>
+                </a:cxn>
+                <a:cxn ang="0">
+                  <a:pos x="connsiteX3" y="connsiteY3"/>
+                </a:cxn>
+                <a:cxn ang="0">
+                  <a:pos x="connsiteX4" y="connsiteY4"/>
+                </a:cxn>
+                <a:cxn ang="0">
+                  <a:pos x="connsiteX5" y="connsiteY5"/>
+                </a:cxn>
+                <a:cxn ang="0">
+                  <a:pos x="connsiteX6" y="connsiteY6"/>
+                </a:cxn>
+                <a:cxn ang="0">
+                  <a:pos x="connsiteX7" y="connsiteY7"/>
+                </a:cxn>
+              </a:cxnLst>
+              <a:rect l="l" t="t" r="r" b="b"/>
+              <a:pathLst>
+                <a:path w="428336" h="501072">
+                  <a:moveTo>
+                    <a:pt x="0" y="100214"/>
+                  </a:moveTo>
+                  <a:lnTo>
+                    <a:pt x="214168" y="100214"/>
+                  </a:lnTo>
+                  <a:lnTo>
+                    <a:pt x="214168" y="0"/>
+                  </a:lnTo>
+                  <a:lnTo>
+                    <a:pt x="428336" y="250536"/>
+                  </a:lnTo>
+                  <a:lnTo>
+                    <a:pt x="214168" y="501072"/>
+                  </a:lnTo>
+                  <a:lnTo>
+                    <a:pt x="214168" y="400858"/>
+                  </a:lnTo>
+                  <a:lnTo>
+                    <a:pt x="0" y="400858"/>
+                  </a:lnTo>
+                  <a:lnTo>
+                    <a:pt x="0" y="100214"/>
+                  </a:lnTo>
+                  <a:close/>
+                </a:path>
+              </a:pathLst>
+            </a:custGeom>
+            <a:scene3d>
+              <a:camera prst="orthographicFront"/>
+              <a:lightRig rig="flat" dir="t"/>
+            </a:scene3d>
+            <a:sp3d z="-80000" prstMaterial="plastic">
+              <a:bevelT w="50800" h="50800"/>
+              <a:bevelB w="25400" h="25400" prst="angle"/>
+            </a:sp3d>
+          </p:spPr>
+          <p:style>
+            <a:lnRef idx="0">
+              <a:schemeClr val="accent1">
+                <a:tint val="60000"/>
+                <a:hueOff val="0"/>
+                <a:satOff val="0"/>
+                <a:lumOff val="0"/>
+                <a:alphaOff val="0"/>
+              </a:schemeClr>
+            </a:lnRef>
+            <a:fillRef idx="3">
+              <a:schemeClr val="accent1">
+                <a:tint val="60000"/>
+                <a:hueOff val="0"/>
+                <a:satOff val="0"/>
+                <a:lumOff val="0"/>
+                <a:alphaOff val="0"/>
+              </a:schemeClr>
+            </a:fillRef>
+            <a:effectRef idx="2">
+              <a:schemeClr val="accent1">
+                <a:tint val="60000"/>
+                <a:hueOff val="0"/>
+                <a:satOff val="0"/>
+                <a:lumOff val="0"/>
+                <a:alphaOff val="0"/>
+              </a:schemeClr>
+            </a:effectRef>
+            <a:fontRef idx="minor">
+              <a:schemeClr val="lt1"/>
+            </a:fontRef>
+          </p:style>
+          <p:txBody>
+            <a:bodyPr spcFirstLastPara="0" vert="horz" wrap="square" lIns="0" tIns="100214" rIns="128501" bIns="100214" numCol="1" spcCol="1270" anchor="ctr" anchorCtr="0">
+              <a:noAutofit/>
+            </a:bodyPr>
+            <a:lstStyle/>
+            <a:p>
+              <a:pPr marL="0" lvl="0" indent="0" algn="ctr" defTabSz="800100">
+                <a:lnSpc>
+                  <a:spcPct val="90000"/>
+                </a:lnSpc>
+                <a:spcBef>
+                  <a:spcPct val="0"/>
+                </a:spcBef>
+                <a:spcAft>
+                  <a:spcPct val="35000"/>
+                </a:spcAft>
+                <a:buNone/>
+              </a:pPr>
+              <a:endParaRPr lang="en-US" sz="1800" kern="1200"/>
+            </a:p>
+          </p:txBody>
+        </p:sp>
+        <p:sp>
+          <p:nvSpPr>
+            <p:cNvPr id="12" name="Freeform: Shape 11">
+              <a:extLst>
+                <a:ext uri="{FF2B5EF4-FFF2-40B4-BE49-F238E27FC236}">
+                  <a16:creationId xmlns:a16="http://schemas.microsoft.com/office/drawing/2014/main" id="{E7C3A665-019B-E8F9-7C75-B4AE9A19B5B4}"/>
+                </a:ext>
+              </a:extLst>
+            </p:cNvPr>
+            <p:cNvSpPr/>
+            <p:nvPr/>
+          </p:nvSpPr>
+          <p:spPr>
+            <a:xfrm>
+              <a:off x="9328725" y="3395157"/>
+              <a:ext cx="2020453" cy="1212272"/>
+            </a:xfrm>
+            <a:custGeom>
+              <a:avLst/>
+              <a:gdLst>
+                <a:gd name="connsiteX0" fmla="*/ 0 w 2020453"/>
+                <a:gd name="connsiteY0" fmla="*/ 121227 h 1212272"/>
+                <a:gd name="connsiteX1" fmla="*/ 121227 w 2020453"/>
+                <a:gd name="connsiteY1" fmla="*/ 0 h 1212272"/>
+                <a:gd name="connsiteX2" fmla="*/ 1899226 w 2020453"/>
+                <a:gd name="connsiteY2" fmla="*/ 0 h 1212272"/>
+                <a:gd name="connsiteX3" fmla="*/ 2020453 w 2020453"/>
+                <a:gd name="connsiteY3" fmla="*/ 121227 h 1212272"/>
+                <a:gd name="connsiteX4" fmla="*/ 2020453 w 2020453"/>
+                <a:gd name="connsiteY4" fmla="*/ 1091045 h 1212272"/>
+                <a:gd name="connsiteX5" fmla="*/ 1899226 w 2020453"/>
+                <a:gd name="connsiteY5" fmla="*/ 1212272 h 1212272"/>
+                <a:gd name="connsiteX6" fmla="*/ 121227 w 2020453"/>
+                <a:gd name="connsiteY6" fmla="*/ 1212272 h 1212272"/>
+                <a:gd name="connsiteX7" fmla="*/ 0 w 2020453"/>
+                <a:gd name="connsiteY7" fmla="*/ 1091045 h 1212272"/>
+                <a:gd name="connsiteX8" fmla="*/ 0 w 2020453"/>
+                <a:gd name="connsiteY8" fmla="*/ 121227 h 1212272"/>
+              </a:gdLst>
+              <a:ahLst/>
+              <a:cxnLst>
+                <a:cxn ang="0">
+                  <a:pos x="connsiteX0" y="connsiteY0"/>
+                </a:cxn>
+                <a:cxn ang="0">
+                  <a:pos x="connsiteX1" y="connsiteY1"/>
+                </a:cxn>
+                <a:cxn ang="0">
+                  <a:pos x="connsiteX2" y="connsiteY2"/>
+                </a:cxn>
+                <a:cxn ang="0">
+                  <a:pos x="connsiteX3" y="connsiteY3"/>
+                </a:cxn>
+                <a:cxn ang="0">
+                  <a:pos x="connsiteX4" y="connsiteY4"/>
+                </a:cxn>
+                <a:cxn ang="0">
+                  <a:pos x="connsiteX5" y="connsiteY5"/>
+                </a:cxn>
+                <a:cxn ang="0">
+                  <a:pos x="connsiteX6" y="connsiteY6"/>
+                </a:cxn>
+                <a:cxn ang="0">
+                  <a:pos x="connsiteX7" y="connsiteY7"/>
+                </a:cxn>
+                <a:cxn ang="0">
+                  <a:pos x="connsiteX8" y="connsiteY8"/>
+                </a:cxn>
+              </a:cxnLst>
+              <a:rect l="l" t="t" r="r" b="b"/>
+              <a:pathLst>
+                <a:path w="2020453" h="1212272">
+                  <a:moveTo>
+                    <a:pt x="0" y="121227"/>
+                  </a:moveTo>
+                  <a:cubicBezTo>
+                    <a:pt x="0" y="54275"/>
+                    <a:pt x="54275" y="0"/>
+                    <a:pt x="121227" y="0"/>
+                  </a:cubicBezTo>
+                  <a:lnTo>
+                    <a:pt x="1899226" y="0"/>
+                  </a:lnTo>
+                  <a:cubicBezTo>
+                    <a:pt x="1966178" y="0"/>
+                    <a:pt x="2020453" y="54275"/>
+                    <a:pt x="2020453" y="121227"/>
+                  </a:cubicBezTo>
+                  <a:lnTo>
+                    <a:pt x="2020453" y="1091045"/>
+                  </a:lnTo>
+                  <a:cubicBezTo>
+                    <a:pt x="2020453" y="1157997"/>
+                    <a:pt x="1966178" y="1212272"/>
+                    <a:pt x="1899226" y="1212272"/>
+                  </a:cubicBezTo>
+                  <a:lnTo>
+                    <a:pt x="121227" y="1212272"/>
+                  </a:lnTo>
+                  <a:cubicBezTo>
+                    <a:pt x="54275" y="1212272"/>
+                    <a:pt x="0" y="1157997"/>
+                    <a:pt x="0" y="1091045"/>
+                  </a:cubicBezTo>
+                  <a:lnTo>
+                    <a:pt x="0" y="121227"/>
+                  </a:lnTo>
+                  <a:close/>
+                </a:path>
+              </a:pathLst>
+            </a:custGeom>
+            <a:scene3d>
+              <a:camera prst="orthographicFront"/>
+              <a:lightRig rig="flat" dir="t"/>
+            </a:scene3d>
+            <a:sp3d prstMaterial="plastic">
+              <a:bevelT w="120900" h="88900"/>
+              <a:bevelB w="88900" h="31750" prst="angle"/>
+            </a:sp3d>
+          </p:spPr>
+          <p:style>
+            <a:lnRef idx="0">
+              <a:schemeClr val="lt1">
+                <a:hueOff val="0"/>
+                <a:satOff val="0"/>
+                <a:lumOff val="0"/>
+                <a:alphaOff val="0"/>
+              </a:schemeClr>
+            </a:lnRef>
+            <a:fillRef idx="3">
+              <a:schemeClr val="accent1">
+                <a:hueOff val="0"/>
+                <a:satOff val="0"/>
+                <a:lumOff val="0"/>
+                <a:alphaOff val="0"/>
+              </a:schemeClr>
+            </a:fillRef>
+            <a:effectRef idx="2">
+              <a:schemeClr val="accent1">
+                <a:hueOff val="0"/>
+                <a:satOff val="0"/>
+                <a:lumOff val="0"/>
+                <a:alphaOff val="0"/>
+              </a:schemeClr>
+            </a:effectRef>
+            <a:fontRef idx="minor">
+              <a:schemeClr val="lt1"/>
+            </a:fontRef>
+          </p:style>
+          <p:txBody>
+            <a:bodyPr spcFirstLastPara="0" vert="horz" wrap="square" lIns="123136" tIns="123136" rIns="123136" bIns="123136" numCol="1" spcCol="1270" anchor="ctr" anchorCtr="0">
+              <a:noAutofit/>
+            </a:bodyPr>
+            <a:lstStyle/>
+            <a:p>
+              <a:pPr marL="0" lvl="0" indent="0" algn="ctr" defTabSz="1022350">
+                <a:lnSpc>
+                  <a:spcPct val="90000"/>
+                </a:lnSpc>
+                <a:spcBef>
+                  <a:spcPct val="0"/>
+                </a:spcBef>
+                <a:spcAft>
+                  <a:spcPct val="35000"/>
+                </a:spcAft>
+                <a:buNone/>
+              </a:pPr>
+              <a:r>
+                <a:rPr lang="en-US" sz="2300" kern="1200" dirty="0"/>
+                <a:t>Resample &amp; Cull Particles</a:t>
+              </a:r>
+            </a:p>
+            <a:p>
+              <a:pPr marL="0" marR="0" lvl="0" indent="0" algn="ctr" defTabSz="1022350" rtl="0" eaLnBrk="1" fontAlgn="auto" latinLnBrk="0" hangingPunct="1">
+                <a:lnSpc>
+                  <a:spcPct val="90000"/>
+                </a:lnSpc>
+                <a:spcBef>
+                  <a:spcPct val="0"/>
+                </a:spcBef>
+                <a:spcAft>
+                  <a:spcPct val="35000"/>
+                </a:spcAft>
+                <a:buClrTx/>
+                <a:buSzTx/>
+                <a:buFontTx/>
+                <a:buNone/>
+                <a:tabLst/>
+                <a:defRPr/>
+              </a:pPr>
+              <a:r>
+                <a:rPr kumimoji="0" lang="en-US" sz="1600" b="0" i="0" u="none" strike="noStrike" kern="1200" cap="none" spc="0" normalizeH="0" baseline="0" noProof="0" dirty="0">
+                  <a:ln>
+                    <a:noFill/>
+                  </a:ln>
+                  <a:solidFill>
+                    <a:prstClr val="white"/>
+                  </a:solidFill>
+                  <a:effectLst/>
+                  <a:uLnTx/>
+                  <a:uFillTx/>
+                  <a:latin typeface="Calibri" panose="020F0502020204030204"/>
+                  <a:ea typeface="+mn-ea"/>
+                  <a:cs typeface="+mn-cs"/>
+                </a:rPr>
+                <a:t>if measurement exists…</a:t>
+              </a:r>
+            </a:p>
+          </p:txBody>
+        </p:sp>
+      </p:grpSp>
+      <p:pic>
+        <p:nvPicPr>
+          <p:cNvPr id="15" name="Picture 14" descr="Chart, scatter chart&#10;&#10;Description automatically generated">
+            <a:extLst>
+              <a:ext uri="{FF2B5EF4-FFF2-40B4-BE49-F238E27FC236}">
+                <a16:creationId xmlns:a16="http://schemas.microsoft.com/office/drawing/2014/main" id="{767BCB2D-27D1-A9C1-4CDC-F1C2C16EE613}"/>
+              </a:ext>
+            </a:extLst>
+          </p:cNvPr>
+          <p:cNvPicPr>
+            <a:picLocks noChangeAspect="1"/>
+          </p:cNvPicPr>
+          <p:nvPr/>
+        </p:nvPicPr>
+        <p:blipFill rotWithShape="1">
+          <a:blip r:embed="rId2">
+            <a:extLst>
+              <a:ext uri="{28A0092B-C50C-407E-A947-70E740481C1C}">
+                <a14:useLocalDpi xmlns:a14="http://schemas.microsoft.com/office/drawing/2010/main" val="0"/>
+              </a:ext>
+            </a:extLst>
+          </a:blip>
+          <a:srcRect l="9142" r="14193"/>
+          <a:stretch/>
+        </p:blipFill>
+        <p:spPr>
+          <a:xfrm>
+            <a:off x="36505" y="3734443"/>
+            <a:ext cx="2819659" cy="2758432"/>
+          </a:xfrm>
+          <a:prstGeom prst="rect">
+            <a:avLst/>
+          </a:prstGeom>
+        </p:spPr>
+      </p:pic>
+      <p:sp>
+        <p:nvSpPr>
+          <p:cNvPr id="16" name="TextBox 15">
+            <a:extLst>
+              <a:ext uri="{FF2B5EF4-FFF2-40B4-BE49-F238E27FC236}">
+                <a16:creationId xmlns:a16="http://schemas.microsoft.com/office/drawing/2014/main" id="{BF09E581-4E4D-9F69-9BED-8955B5A53EC2}"/>
+              </a:ext>
+            </a:extLst>
+          </p:cNvPr>
+          <p:cNvSpPr txBox="1"/>
+          <p:nvPr/>
+        </p:nvSpPr>
+        <p:spPr>
+          <a:xfrm>
+            <a:off x="3272377" y="3604152"/>
+            <a:ext cx="2828635" cy="3416320"/>
+          </a:xfrm>
+          <a:prstGeom prst="rect">
+            <a:avLst/>
+          </a:prstGeom>
+          <a:noFill/>
+        </p:spPr>
+        <p:txBody>
+          <a:bodyPr wrap="square" rtlCol="0">
+            <a:spAutoFit/>
+          </a:bodyPr>
+          <a:lstStyle/>
+          <a:p>
+            <a:pPr algn="ctr"/>
+            <a:r>
+              <a:rPr lang="en-US" dirty="0" err="1"/>
+              <a:t>state.x</a:t>
+            </a:r>
+            <a:r>
+              <a:rPr lang="en-US" dirty="0"/>
+              <a:t>  (m)</a:t>
+            </a:r>
+          </a:p>
+          <a:p>
+            <a:pPr algn="ctr"/>
+            <a:r>
+              <a:rPr lang="en-US" dirty="0" err="1"/>
+              <a:t>state.y</a:t>
+            </a:r>
+            <a:r>
+              <a:rPr lang="en-US" dirty="0"/>
+              <a:t>  (m)</a:t>
+            </a:r>
+          </a:p>
+          <a:p>
+            <a:pPr algn="ctr"/>
+            <a:r>
+              <a:rPr lang="en-US" dirty="0" err="1"/>
+              <a:t>state.z</a:t>
+            </a:r>
+            <a:r>
+              <a:rPr lang="en-US" dirty="0"/>
+              <a:t>  (m)</a:t>
+            </a:r>
+          </a:p>
+          <a:p>
+            <a:pPr algn="ctr"/>
+            <a:r>
+              <a:rPr lang="en-US" dirty="0" err="1"/>
+              <a:t>state.u</a:t>
+            </a:r>
+            <a:r>
+              <a:rPr lang="en-US" dirty="0"/>
+              <a:t>  (m/s)</a:t>
+            </a:r>
+          </a:p>
+          <a:p>
+            <a:pPr algn="ctr"/>
+            <a:r>
+              <a:rPr lang="en-US" dirty="0" err="1"/>
+              <a:t>state.w</a:t>
+            </a:r>
+            <a:r>
+              <a:rPr lang="en-US" dirty="0"/>
+              <a:t>  (m/s)</a:t>
+            </a:r>
+          </a:p>
+          <a:p>
+            <a:pPr algn="ctr"/>
+            <a:r>
+              <a:rPr lang="en-US" dirty="0" err="1"/>
+              <a:t>state.v</a:t>
+            </a:r>
+            <a:r>
+              <a:rPr lang="en-US" dirty="0"/>
+              <a:t>  (m/s)</a:t>
+            </a:r>
+          </a:p>
+          <a:p>
+            <a:pPr algn="ctr"/>
+            <a:r>
+              <a:rPr lang="en-US" dirty="0" err="1"/>
+              <a:t>state.weight</a:t>
+            </a:r>
+            <a:r>
+              <a:rPr lang="en-US" dirty="0"/>
+              <a:t> (P)</a:t>
+            </a:r>
+          </a:p>
+          <a:p>
+            <a:pPr algn="ctr"/>
+            <a:r>
+              <a:rPr lang="en-US" dirty="0" err="1"/>
+              <a:t>state.mode</a:t>
+            </a:r>
+            <a:r>
+              <a:rPr lang="en-US" dirty="0"/>
+              <a:t>  (0,1,2,3)</a:t>
+            </a:r>
+          </a:p>
+          <a:p>
+            <a:pPr algn="ctr"/>
+            <a:r>
+              <a:rPr lang="en-US" dirty="0" err="1"/>
+              <a:t>state.bottom_time</a:t>
+            </a:r>
+            <a:r>
+              <a:rPr lang="en-US" dirty="0"/>
+              <a:t> (s)</a:t>
+            </a:r>
+          </a:p>
+          <a:p>
+            <a:pPr algn="ctr"/>
+            <a:r>
+              <a:rPr lang="en-US" dirty="0" err="1"/>
+              <a:t>state.total_bottom_time</a:t>
+            </a:r>
+            <a:r>
+              <a:rPr lang="en-US" dirty="0"/>
+              <a:t> (s)</a:t>
+            </a:r>
+          </a:p>
+          <a:p>
+            <a:pPr algn="ctr"/>
+            <a:r>
+              <a:rPr lang="en-US" dirty="0" err="1"/>
+              <a:t>state.z_transition</a:t>
+            </a:r>
+            <a:r>
+              <a:rPr lang="en-US" dirty="0"/>
+              <a:t> (m)</a:t>
+            </a:r>
+          </a:p>
+          <a:p>
+            <a:endParaRPr lang="en-US" dirty="0"/>
+          </a:p>
+        </p:txBody>
+      </p:sp>
+      <p:pic>
+        <p:nvPicPr>
+          <p:cNvPr id="20" name="Picture 19" descr="Chart&#10;&#10;Description automatically generated">
+            <a:extLst>
+              <a:ext uri="{FF2B5EF4-FFF2-40B4-BE49-F238E27FC236}">
+                <a16:creationId xmlns:a16="http://schemas.microsoft.com/office/drawing/2014/main" id="{2ECCA81B-804F-F67E-535A-5ED3B52D292B}"/>
+              </a:ext>
+            </a:extLst>
+          </p:cNvPr>
+          <p:cNvPicPr>
+            <a:picLocks noChangeAspect="1"/>
+          </p:cNvPicPr>
+          <p:nvPr/>
+        </p:nvPicPr>
+        <p:blipFill rotWithShape="1">
+          <a:blip r:embed="rId3">
+            <a:extLst>
+              <a:ext uri="{28A0092B-C50C-407E-A947-70E740481C1C}">
+                <a14:useLocalDpi xmlns:a14="http://schemas.microsoft.com/office/drawing/2010/main" val="0"/>
+              </a:ext>
+            </a:extLst>
+          </a:blip>
+          <a:srcRect l="5748" r="10863" b="4872"/>
+          <a:stretch/>
+        </p:blipFill>
+        <p:spPr>
+          <a:xfrm>
+            <a:off x="9026593" y="3862541"/>
+            <a:ext cx="3165407" cy="2708275"/>
+          </a:xfrm>
+          <a:prstGeom prst="rect">
+            <a:avLst/>
+          </a:prstGeom>
+        </p:spPr>
+      </p:pic>
+      <p:sp>
+        <p:nvSpPr>
+          <p:cNvPr id="22" name="Arrow: Curved Up 21">
+            <a:extLst>
+              <a:ext uri="{FF2B5EF4-FFF2-40B4-BE49-F238E27FC236}">
+                <a16:creationId xmlns:a16="http://schemas.microsoft.com/office/drawing/2014/main" id="{C0AF6CBD-46BA-F16A-07A9-64BFE0D6E8AE}"/>
+              </a:ext>
+            </a:extLst>
+          </p:cNvPr>
+          <p:cNvSpPr/>
+          <p:nvPr/>
+        </p:nvSpPr>
+        <p:spPr>
+          <a:xfrm flipH="1" flipV="1">
+            <a:off x="4196862" y="1643259"/>
+            <a:ext cx="6319175" cy="573470"/>
+          </a:xfrm>
+          <a:prstGeom prst="curvedUpArrow">
+            <a:avLst>
+              <a:gd name="adj1" fmla="val 50000"/>
+              <a:gd name="adj2" fmla="val 149358"/>
+              <a:gd name="adj3" fmla="val 31133"/>
+            </a:avLst>
+          </a:prstGeom>
+          <a:solidFill>
+            <a:schemeClr val="accent1">
+              <a:lumMod val="40000"/>
+              <a:lumOff val="60000"/>
+            </a:schemeClr>
+          </a:solidFill>
+          <a:scene3d>
+            <a:camera prst="orthographicFront"/>
+            <a:lightRig rig="threePt" dir="t"/>
+          </a:scene3d>
+          <a:sp3d prstMaterial="dkEdge"/>
+        </p:spPr>
+        <p:style>
+          <a:lnRef idx="2">
+            <a:schemeClr val="accent1">
+              <a:shade val="50000"/>
+            </a:schemeClr>
+          </a:lnRef>
+          <a:fillRef idx="1">
+            <a:schemeClr val="accent1"/>
+          </a:fillRef>
+          <a:effectRef idx="0">
+            <a:schemeClr val="accent1"/>
+          </a:effectRef>
+          <a:fontRef idx="minor">
+            <a:schemeClr val="lt1"/>
+          </a:fontRef>
+        </p:style>
+        <p:txBody>
+          <a:bodyPr rtlCol="0" anchor="ctr"/>
+          <a:lstStyle/>
+          <a:p>
+            <a:pPr algn="ctr"/>
+            <a:endParaRPr lang="en-US">
+              <a:solidFill>
+                <a:schemeClr val="tx1"/>
+              </a:solidFill>
+            </a:endParaRPr>
           </a:p>
         </p:txBody>
       </p:sp>
     </p:spTree>
     <p:extLst>
       <p:ext uri="{BB962C8B-B14F-4D97-AF65-F5344CB8AC3E}">
-        <p14:creationId xmlns:p14="http://schemas.microsoft.com/office/powerpoint/2010/main" val="3420563102"/>
+        <p14:creationId xmlns:p14="http://schemas.microsoft.com/office/powerpoint/2010/main" val="1300850408"/>
+      </p:ext>
+    </p:extLst>
+  </p:cSld>
+  <p:clrMapOvr>
+    <a:masterClrMapping/>
+  </p:clrMapOvr>
+  <mc:AlternateContent xmlns:mc="http://schemas.openxmlformats.org/markup-compatibility/2006">
+    <mc:Choice xmlns:p159="http://schemas.microsoft.com/office/powerpoint/2015/09/main" Requires="p159">
+      <p:transition xmlns:p14="http://schemas.microsoft.com/office/powerpoint/2010/main" spd="slow" p14:dur="2000">
+        <p159:morph option="byObject"/>
+      </p:transition>
+    </mc:Choice>
+    <mc:Fallback>
+      <p:transition spd="slow">
+        <p:fade/>
+      </p:transition>
+    </mc:Fallback>
+  </mc:AlternateContent>
+</p:sld>
+</file>
+
+<file path=ppt/slides/slide7.xml><?xml version="1.0" encoding="utf-8"?>
+<p:sld xmlns:a="http://schemas.openxmlformats.org/drawingml/2006/main" xmlns:r="http://schemas.openxmlformats.org/officeDocument/2006/relationships" xmlns:p="http://schemas.openxmlformats.org/presentationml/2006/main">
+  <p:cSld>
+    <p:spTree>
+      <p:nvGrpSpPr>
+        <p:cNvPr id="1" name=""/>
+        <p:cNvGrpSpPr/>
+        <p:nvPr/>
+      </p:nvGrpSpPr>
+      <p:grpSpPr>
+        <a:xfrm>
+          <a:off x="0" y="0"/>
+          <a:ext cx="0" cy="0"/>
+          <a:chOff x="0" y="0"/>
+          <a:chExt cx="0" cy="0"/>
+        </a:xfrm>
+      </p:grpSpPr>
+      <p:sp>
+        <p:nvSpPr>
+          <p:cNvPr id="6" name="Freeform: Shape 5">
+            <a:extLst>
+              <a:ext uri="{FF2B5EF4-FFF2-40B4-BE49-F238E27FC236}">
+                <a16:creationId xmlns:a16="http://schemas.microsoft.com/office/drawing/2014/main" id="{A8FBE7D4-540B-7282-D458-66E195E7D6DF}"/>
+              </a:ext>
+            </a:extLst>
+          </p:cNvPr>
+          <p:cNvSpPr/>
+          <p:nvPr/>
+        </p:nvSpPr>
+        <p:spPr>
+          <a:xfrm>
+            <a:off x="5085773" y="727897"/>
+            <a:ext cx="2020453" cy="1387424"/>
+          </a:xfrm>
+          <a:custGeom>
+            <a:avLst/>
+            <a:gdLst>
+              <a:gd name="connsiteX0" fmla="*/ 0 w 2020453"/>
+              <a:gd name="connsiteY0" fmla="*/ 121227 h 1212272"/>
+              <a:gd name="connsiteX1" fmla="*/ 121227 w 2020453"/>
+              <a:gd name="connsiteY1" fmla="*/ 0 h 1212272"/>
+              <a:gd name="connsiteX2" fmla="*/ 1899226 w 2020453"/>
+              <a:gd name="connsiteY2" fmla="*/ 0 h 1212272"/>
+              <a:gd name="connsiteX3" fmla="*/ 2020453 w 2020453"/>
+              <a:gd name="connsiteY3" fmla="*/ 121227 h 1212272"/>
+              <a:gd name="connsiteX4" fmla="*/ 2020453 w 2020453"/>
+              <a:gd name="connsiteY4" fmla="*/ 1091045 h 1212272"/>
+              <a:gd name="connsiteX5" fmla="*/ 1899226 w 2020453"/>
+              <a:gd name="connsiteY5" fmla="*/ 1212272 h 1212272"/>
+              <a:gd name="connsiteX6" fmla="*/ 121227 w 2020453"/>
+              <a:gd name="connsiteY6" fmla="*/ 1212272 h 1212272"/>
+              <a:gd name="connsiteX7" fmla="*/ 0 w 2020453"/>
+              <a:gd name="connsiteY7" fmla="*/ 1091045 h 1212272"/>
+              <a:gd name="connsiteX8" fmla="*/ 0 w 2020453"/>
+              <a:gd name="connsiteY8" fmla="*/ 121227 h 1212272"/>
+            </a:gdLst>
+            <a:ahLst/>
+            <a:cxnLst>
+              <a:cxn ang="0">
+                <a:pos x="connsiteX0" y="connsiteY0"/>
+              </a:cxn>
+              <a:cxn ang="0">
+                <a:pos x="connsiteX1" y="connsiteY1"/>
+              </a:cxn>
+              <a:cxn ang="0">
+                <a:pos x="connsiteX2" y="connsiteY2"/>
+              </a:cxn>
+              <a:cxn ang="0">
+                <a:pos x="connsiteX3" y="connsiteY3"/>
+              </a:cxn>
+              <a:cxn ang="0">
+                <a:pos x="connsiteX4" y="connsiteY4"/>
+              </a:cxn>
+              <a:cxn ang="0">
+                <a:pos x="connsiteX5" y="connsiteY5"/>
+              </a:cxn>
+              <a:cxn ang="0">
+                <a:pos x="connsiteX6" y="connsiteY6"/>
+              </a:cxn>
+              <a:cxn ang="0">
+                <a:pos x="connsiteX7" y="connsiteY7"/>
+              </a:cxn>
+              <a:cxn ang="0">
+                <a:pos x="connsiteX8" y="connsiteY8"/>
+              </a:cxn>
+            </a:cxnLst>
+            <a:rect l="l" t="t" r="r" b="b"/>
+            <a:pathLst>
+              <a:path w="2020453" h="1212272">
+                <a:moveTo>
+                  <a:pt x="0" y="121227"/>
+                </a:moveTo>
+                <a:cubicBezTo>
+                  <a:pt x="0" y="54275"/>
+                  <a:pt x="54275" y="0"/>
+                  <a:pt x="121227" y="0"/>
+                </a:cubicBezTo>
+                <a:lnTo>
+                  <a:pt x="1899226" y="0"/>
+                </a:lnTo>
+                <a:cubicBezTo>
+                  <a:pt x="1966178" y="0"/>
+                  <a:pt x="2020453" y="54275"/>
+                  <a:pt x="2020453" y="121227"/>
+                </a:cubicBezTo>
+                <a:lnTo>
+                  <a:pt x="2020453" y="1091045"/>
+                </a:lnTo>
+                <a:cubicBezTo>
+                  <a:pt x="2020453" y="1157997"/>
+                  <a:pt x="1966178" y="1212272"/>
+                  <a:pt x="1899226" y="1212272"/>
+                </a:cubicBezTo>
+                <a:lnTo>
+                  <a:pt x="121227" y="1212272"/>
+                </a:lnTo>
+                <a:cubicBezTo>
+                  <a:pt x="54275" y="1212272"/>
+                  <a:pt x="0" y="1157997"/>
+                  <a:pt x="0" y="1091045"/>
+                </a:cubicBezTo>
+                <a:lnTo>
+                  <a:pt x="0" y="121227"/>
+                </a:lnTo>
+                <a:close/>
+              </a:path>
+            </a:pathLst>
+          </a:custGeom>
+          <a:scene3d>
+            <a:camera prst="orthographicFront"/>
+            <a:lightRig rig="flat" dir="t"/>
+          </a:scene3d>
+          <a:sp3d prstMaterial="plastic">
+            <a:bevelT w="120900" h="88900"/>
+            <a:bevelB w="88900" h="31750" prst="angle"/>
+          </a:sp3d>
+        </p:spPr>
+        <p:style>
+          <a:lnRef idx="0">
+            <a:schemeClr val="lt1">
+              <a:hueOff val="0"/>
+              <a:satOff val="0"/>
+              <a:lumOff val="0"/>
+              <a:alphaOff val="0"/>
+            </a:schemeClr>
+          </a:lnRef>
+          <a:fillRef idx="3">
+            <a:schemeClr val="accent1">
+              <a:hueOff val="0"/>
+              <a:satOff val="0"/>
+              <a:lumOff val="0"/>
+              <a:alphaOff val="0"/>
+            </a:schemeClr>
+          </a:fillRef>
+          <a:effectRef idx="2">
+            <a:schemeClr val="accent1">
+              <a:hueOff val="0"/>
+              <a:satOff val="0"/>
+              <a:lumOff val="0"/>
+              <a:alphaOff val="0"/>
+            </a:schemeClr>
+          </a:effectRef>
+          <a:fontRef idx="minor">
+            <a:schemeClr val="lt1"/>
+          </a:fontRef>
+        </p:style>
+        <p:txBody>
+          <a:bodyPr spcFirstLastPara="0" vert="horz" wrap="square" lIns="123136" tIns="123136" rIns="123136" bIns="123136" numCol="1" spcCol="1270" anchor="ctr" anchorCtr="0">
+            <a:noAutofit/>
+          </a:bodyPr>
+          <a:lstStyle/>
+          <a:p>
+            <a:pPr marL="0" lvl="0" indent="0" algn="ctr" defTabSz="1022350">
+              <a:lnSpc>
+                <a:spcPct val="90000"/>
+              </a:lnSpc>
+              <a:spcBef>
+                <a:spcPct val="0"/>
+              </a:spcBef>
+              <a:spcAft>
+                <a:spcPct val="35000"/>
+              </a:spcAft>
+              <a:buNone/>
+            </a:pPr>
+            <a:r>
+              <a:rPr lang="en-US" sz="2300" kern="1200" dirty="0"/>
+              <a:t>Particle Initialization</a:t>
+            </a:r>
+          </a:p>
+          <a:p>
+            <a:pPr marL="0" lvl="0" indent="0" algn="ctr" defTabSz="1022350">
+              <a:lnSpc>
+                <a:spcPct val="90000"/>
+              </a:lnSpc>
+              <a:spcBef>
+                <a:spcPct val="0"/>
+              </a:spcBef>
+              <a:spcAft>
+                <a:spcPct val="35000"/>
+              </a:spcAft>
+              <a:buNone/>
+            </a:pPr>
+            <a:r>
+              <a:rPr lang="en-US" sz="1600" kern="1200" dirty="0"/>
+              <a:t>t = 0</a:t>
+            </a:r>
+          </a:p>
+        </p:txBody>
+      </p:sp>
+    </p:spTree>
+    <p:extLst>
+      <p:ext uri="{BB962C8B-B14F-4D97-AF65-F5344CB8AC3E}">
+        <p14:creationId xmlns:p14="http://schemas.microsoft.com/office/powerpoint/2010/main" val="3630851952"/>
+      </p:ext>
+    </p:extLst>
+  </p:cSld>
+  <p:clrMapOvr>
+    <a:masterClrMapping/>
+  </p:clrMapOvr>
+  <mc:AlternateContent xmlns:mc="http://schemas.openxmlformats.org/markup-compatibility/2006">
+    <mc:Choice xmlns:p159="http://schemas.microsoft.com/office/powerpoint/2015/09/main" Requires="p159">
+      <p:transition xmlns:p14="http://schemas.microsoft.com/office/powerpoint/2010/main" spd="slow" p14:dur="2000">
+        <p159:morph option="byObject"/>
+      </p:transition>
+    </mc:Choice>
+    <mc:Fallback>
+      <p:transition spd="slow">
+        <p:fade/>
+      </p:transition>
+    </mc:Fallback>
+  </mc:AlternateContent>
+</p:sld>
+</file>
+
+<file path=ppt/slides/slide8.xml><?xml version="1.0" encoding="utf-8"?>
+<p:sld xmlns:a="http://schemas.openxmlformats.org/drawingml/2006/main" xmlns:r="http://schemas.openxmlformats.org/officeDocument/2006/relationships" xmlns:p="http://schemas.openxmlformats.org/presentationml/2006/main">
+  <p:cSld>
+    <p:spTree>
+      <p:nvGrpSpPr>
+        <p:cNvPr id="1" name=""/>
+        <p:cNvGrpSpPr/>
+        <p:nvPr/>
+      </p:nvGrpSpPr>
+      <p:grpSpPr>
+        <a:xfrm>
+          <a:off x="0" y="0"/>
+          <a:ext cx="0" cy="0"/>
+          <a:chOff x="0" y="0"/>
+          <a:chExt cx="0" cy="0"/>
+        </a:xfrm>
+      </p:grpSpPr>
+      <p:sp>
+        <p:nvSpPr>
+          <p:cNvPr id="2" name="Title 1">
+            <a:extLst>
+              <a:ext uri="{FF2B5EF4-FFF2-40B4-BE49-F238E27FC236}">
+                <a16:creationId xmlns:a16="http://schemas.microsoft.com/office/drawing/2014/main" id="{5541A73E-31CE-DC8B-A83B-4D10818983C7}"/>
+              </a:ext>
+            </a:extLst>
+          </p:cNvPr>
+          <p:cNvSpPr>
+            <a:spLocks noGrp="1"/>
+          </p:cNvSpPr>
+          <p:nvPr>
+            <p:ph type="title"/>
+          </p:nvPr>
+        </p:nvSpPr>
+        <p:spPr/>
+        <p:txBody>
+          <a:bodyPr/>
+          <a:lstStyle/>
+          <a:p>
+            <a:r>
+              <a:rPr lang="en-US" dirty="0"/>
+              <a:t>Motion Model</a:t>
+            </a:r>
+          </a:p>
+        </p:txBody>
+      </p:sp>
+      <p:sp>
+        <p:nvSpPr>
+          <p:cNvPr id="3" name="Content Placeholder 2">
+            <a:extLst>
+              <a:ext uri="{FF2B5EF4-FFF2-40B4-BE49-F238E27FC236}">
+                <a16:creationId xmlns:a16="http://schemas.microsoft.com/office/drawing/2014/main" id="{91FA2ABE-3729-DF37-C718-CF3BE50FBF00}"/>
+              </a:ext>
+            </a:extLst>
+          </p:cNvPr>
+          <p:cNvSpPr>
+            <a:spLocks noGrp="1"/>
+          </p:cNvSpPr>
+          <p:nvPr>
+            <p:ph idx="1"/>
+          </p:nvPr>
+        </p:nvSpPr>
+        <p:spPr/>
+        <p:txBody>
+          <a:bodyPr/>
+          <a:lstStyle/>
+          <a:p>
+            <a:endParaRPr lang="en-US" dirty="0"/>
+          </a:p>
+        </p:txBody>
+      </p:sp>
+    </p:spTree>
+    <p:extLst>
+      <p:ext uri="{BB962C8B-B14F-4D97-AF65-F5344CB8AC3E}">
+        <p14:creationId xmlns:p14="http://schemas.microsoft.com/office/powerpoint/2010/main" val="2566109050"/>
+      </p:ext>
+    </p:extLst>
+  </p:cSld>
+  <p:clrMapOvr>
+    <a:masterClrMapping/>
+  </p:clrMapOvr>
+</p:sld>
+</file>
+
+<file path=ppt/slides/slide9.xml><?xml version="1.0" encoding="utf-8"?>
+<p:sld xmlns:a="http://schemas.openxmlformats.org/drawingml/2006/main" xmlns:r="http://schemas.openxmlformats.org/officeDocument/2006/relationships" xmlns:p="http://schemas.openxmlformats.org/presentationml/2006/main">
+  <p:cSld>
+    <p:spTree>
+      <p:nvGrpSpPr>
+        <p:cNvPr id="1" name=""/>
+        <p:cNvGrpSpPr/>
+        <p:nvPr/>
+      </p:nvGrpSpPr>
+      <p:grpSpPr>
+        <a:xfrm>
+          <a:off x="0" y="0"/>
+          <a:ext cx="0" cy="0"/>
+          <a:chOff x="0" y="0"/>
+          <a:chExt cx="0" cy="0"/>
+        </a:xfrm>
+      </p:grpSpPr>
+      <p:sp>
+        <p:nvSpPr>
+          <p:cNvPr id="2" name="Title 1">
+            <a:extLst>
+              <a:ext uri="{FF2B5EF4-FFF2-40B4-BE49-F238E27FC236}">
+                <a16:creationId xmlns:a16="http://schemas.microsoft.com/office/drawing/2014/main" id="{BAB0E9AE-ACF4-2966-B334-E031348A1D85}"/>
+              </a:ext>
+            </a:extLst>
+          </p:cNvPr>
+          <p:cNvSpPr>
+            <a:spLocks noGrp="1"/>
+          </p:cNvSpPr>
+          <p:nvPr>
+            <p:ph type="title"/>
+          </p:nvPr>
+        </p:nvSpPr>
+        <p:spPr/>
+        <p:txBody>
+          <a:bodyPr/>
+          <a:lstStyle/>
+          <a:p>
+            <a:r>
+              <a:rPr lang="en-US" dirty="0"/>
+              <a:t>Measurement Update</a:t>
+            </a:r>
+          </a:p>
+        </p:txBody>
+      </p:sp>
+      <p:sp>
+        <p:nvSpPr>
+          <p:cNvPr id="3" name="Content Placeholder 2">
+            <a:extLst>
+              <a:ext uri="{FF2B5EF4-FFF2-40B4-BE49-F238E27FC236}">
+                <a16:creationId xmlns:a16="http://schemas.microsoft.com/office/drawing/2014/main" id="{57D740BC-0D05-16F9-C351-4C068CA77A35}"/>
+              </a:ext>
+            </a:extLst>
+          </p:cNvPr>
+          <p:cNvSpPr>
+            <a:spLocks noGrp="1"/>
+          </p:cNvSpPr>
+          <p:nvPr>
+            <p:ph idx="1"/>
+          </p:nvPr>
+        </p:nvSpPr>
+        <p:spPr/>
+        <p:txBody>
+          <a:bodyPr/>
+          <a:lstStyle/>
+          <a:p>
+            <a:endParaRPr lang="en-US"/>
+          </a:p>
+        </p:txBody>
+      </p:sp>
+    </p:spTree>
+    <p:extLst>
+      <p:ext uri="{BB962C8B-B14F-4D97-AF65-F5344CB8AC3E}">
+        <p14:creationId xmlns:p14="http://schemas.microsoft.com/office/powerpoint/2010/main" val="3962627305"/>
       </p:ext>
     </p:extLst>
   </p:cSld>
